--- a/Recommendation Systems.pptx
+++ b/Recommendation Systems.pptx
@@ -5,10 +5,10 @@
     <p:sldMasterId id="2147483660" r:id="rId2"/>
   </p:sldMasterIdLst>
   <p:notesMasterIdLst>
-    <p:notesMasterId r:id="rId15"/>
+    <p:notesMasterId r:id="rId16"/>
   </p:notesMasterIdLst>
   <p:handoutMasterIdLst>
-    <p:handoutMasterId r:id="rId16"/>
+    <p:handoutMasterId r:id="rId17"/>
   </p:handoutMasterIdLst>
   <p:sldIdLst>
     <p:sldId id="279" r:id="rId3"/>
@@ -22,7 +22,8 @@
     <p:sldId id="278" r:id="rId11"/>
     <p:sldId id="283" r:id="rId12"/>
     <p:sldId id="282" r:id="rId13"/>
-    <p:sldId id="277" r:id="rId14"/>
+    <p:sldId id="294" r:id="rId14"/>
+    <p:sldId id="295" r:id="rId15"/>
   </p:sldIdLst>
   <p:sldSz cx="12188825" cy="6858000"/>
   <p:notesSz cx="6858000" cy="9144000"/>
@@ -666,6 +667,98 @@
     </a:lvl9pPr>
   </p:notesStyle>
 </p:notesMaster>
+</file>
+
+<file path=ppt/notesSlides/notesSlide1.xml><?xml version="1.0" encoding="utf-8"?>
+<p:notes xmlns:a="http://schemas.openxmlformats.org/drawingml/2006/main" xmlns:r="http://schemas.openxmlformats.org/officeDocument/2006/relationships" xmlns:p="http://schemas.openxmlformats.org/presentationml/2006/main">
+  <p:cSld>
+    <p:spTree>
+      <p:nvGrpSpPr>
+        <p:cNvPr id="1" name=""/>
+        <p:cNvGrpSpPr/>
+        <p:nvPr/>
+      </p:nvGrpSpPr>
+      <p:grpSpPr>
+        <a:xfrm>
+          <a:off x="0" y="0"/>
+          <a:ext cx="0" cy="0"/>
+          <a:chOff x="0" y="0"/>
+          <a:chExt cx="0" cy="0"/>
+        </a:xfrm>
+      </p:grpSpPr>
+      <p:sp>
+        <p:nvSpPr>
+          <p:cNvPr id="2" name="Slide Image Placeholder 1"/>
+          <p:cNvSpPr>
+            <a:spLocks noGrp="1" noRot="1" noChangeAspect="1"/>
+          </p:cNvSpPr>
+          <p:nvPr>
+            <p:ph type="sldImg"/>
+          </p:nvPr>
+        </p:nvSpPr>
+        <p:spPr/>
+      </p:sp>
+      <p:sp>
+        <p:nvSpPr>
+          <p:cNvPr id="3" name="Notes Placeholder 2"/>
+          <p:cNvSpPr>
+            <a:spLocks noGrp="1"/>
+          </p:cNvSpPr>
+          <p:nvPr>
+            <p:ph type="body" idx="1"/>
+          </p:nvPr>
+        </p:nvSpPr>
+        <p:spPr/>
+        <p:txBody>
+          <a:bodyPr/>
+          <a:lstStyle/>
+          <a:p>
+            <a:r>
+              <a:rPr lang="en-US" dirty="0" smtClean="0"/>
+              <a:t>Do</a:t>
+            </a:r>
+            <a:r>
+              <a:rPr lang="en-US" baseline="0" dirty="0" smtClean="0"/>
+              <a:t> a demonstration here!</a:t>
+            </a:r>
+            <a:endParaRPr lang="en-US" dirty="0"/>
+          </a:p>
+        </p:txBody>
+      </p:sp>
+      <p:sp>
+        <p:nvSpPr>
+          <p:cNvPr id="4" name="Slide Number Placeholder 3"/>
+          <p:cNvSpPr>
+            <a:spLocks noGrp="1"/>
+          </p:cNvSpPr>
+          <p:nvPr>
+            <p:ph type="sldNum" sz="quarter" idx="10"/>
+          </p:nvPr>
+        </p:nvSpPr>
+        <p:spPr/>
+        <p:txBody>
+          <a:bodyPr/>
+          <a:lstStyle/>
+          <a:p>
+            <a:fld id="{9E11EC53-F507-411E-9ADC-FBCFECE09D3D}" type="slidenum">
+              <a:rPr lang="en-US" smtClean="0"/>
+              <a:t>9</a:t>
+            </a:fld>
+            <a:endParaRPr lang="en-US"/>
+          </a:p>
+        </p:txBody>
+      </p:sp>
+    </p:spTree>
+    <p:extLst>
+      <p:ext uri="{BB962C8B-B14F-4D97-AF65-F5344CB8AC3E}">
+        <p14:creationId xmlns:p14="http://schemas.microsoft.com/office/powerpoint/2010/main" val="1553409818"/>
+      </p:ext>
+    </p:extLst>
+  </p:cSld>
+  <p:clrMapOvr>
+    <a:masterClrMapping/>
+  </p:clrMapOvr>
+</p:notes>
 </file>
 
 <file path=ppt/slideLayouts/slideLayout1.xml><?xml version="1.0" encoding="utf-8"?>
@@ -5766,7 +5859,7 @@
       </p:grpSpPr>
       <p:sp>
         <p:nvSpPr>
-          <p:cNvPr id="2" name="Title 1"/>
+          <p:cNvPr id="5" name="Title 4"/>
           <p:cNvSpPr>
             <a:spLocks noGrp="1"/>
           </p:cNvSpPr>
@@ -5779,13 +5872,17 @@
           <a:bodyPr/>
           <a:lstStyle/>
           <a:p>
+            <a:r>
+              <a:rPr lang="en-US" dirty="0" smtClean="0"/>
+              <a:t>Testing</a:t>
+            </a:r>
             <a:endParaRPr lang="en-US" dirty="0"/>
           </a:p>
         </p:txBody>
       </p:sp>
       <p:sp>
         <p:nvSpPr>
-          <p:cNvPr id="3" name="Content Placeholder 2"/>
+          <p:cNvPr id="6" name="Content Placeholder 5"/>
           <p:cNvSpPr>
             <a:spLocks noGrp="1"/>
           </p:cNvSpPr>
@@ -5798,26 +5895,35 @@
           <a:bodyPr/>
           <a:lstStyle/>
           <a:p>
-            <a:endParaRPr lang="en-US" dirty="0"/>
-          </a:p>
-        </p:txBody>
-      </p:sp>
-      <p:sp>
-        <p:nvSpPr>
-          <p:cNvPr id="4" name="Text Placeholder 3"/>
-          <p:cNvSpPr>
-            <a:spLocks noGrp="1"/>
-          </p:cNvSpPr>
-          <p:nvPr>
-            <p:ph type="body" sz="half" idx="2"/>
-          </p:nvPr>
-        </p:nvSpPr>
-        <p:spPr/>
-        <p:txBody>
-          <a:bodyPr/>
-          <a:lstStyle/>
-          <a:p>
-            <a:endParaRPr lang="en-US" dirty="0"/>
+            <a:r>
+              <a:rPr lang="en-US" dirty="0" smtClean="0"/>
+              <a:t>The Movie Lens Data come broken up into a test and base data set</a:t>
+            </a:r>
+          </a:p>
+          <a:p>
+            <a:r>
+              <a:rPr lang="en-US" dirty="0" smtClean="0"/>
+              <a:t>We calculated recommendations for every user using the 100,000 rating set</a:t>
+            </a:r>
+          </a:p>
+          <a:p>
+            <a:r>
+              <a:rPr lang="en-US" dirty="0" smtClean="0"/>
+              <a:t>Calculated standard deviation to determine how well our predictions were.</a:t>
+            </a:r>
+          </a:p>
+          <a:p>
+            <a:r>
+              <a:rPr lang="en-US" dirty="0" smtClean="0"/>
+              <a:t>RESULTS:</a:t>
+            </a:r>
+          </a:p>
+          <a:p>
+            <a:pPr lvl="1"/>
+            <a:r>
+              <a:rPr lang="en-US" dirty="0" smtClean="0"/>
+              <a:t>Insert number here….</a:t>
+            </a:r>
           </a:p>
         </p:txBody>
       </p:sp>
@@ -5872,7 +5978,7 @@
       </p:grpSpPr>
       <p:sp>
         <p:nvSpPr>
-          <p:cNvPr id="2" name="Title 1"/>
+          <p:cNvPr id="5" name="Title 4"/>
           <p:cNvSpPr>
             <a:spLocks noGrp="1"/>
           </p:cNvSpPr>
@@ -5885,18 +5991,22 @@
           <a:bodyPr/>
           <a:lstStyle/>
           <a:p>
+            <a:r>
+              <a:rPr lang="en-US" dirty="0" smtClean="0"/>
+              <a:t>Observations</a:t>
+            </a:r>
             <a:endParaRPr lang="en-US" dirty="0"/>
           </a:p>
         </p:txBody>
       </p:sp>
       <p:sp>
         <p:nvSpPr>
-          <p:cNvPr id="4" name="Text Placeholder 3"/>
+          <p:cNvPr id="6" name="Content Placeholder 5"/>
           <p:cNvSpPr>
             <a:spLocks noGrp="1"/>
           </p:cNvSpPr>
           <p:nvPr>
-            <p:ph type="body" sz="half" idx="2"/>
+            <p:ph sz="half" idx="1"/>
           </p:nvPr>
         </p:nvSpPr>
         <p:spPr/>
@@ -5904,21 +6014,106 @@
           <a:bodyPr/>
           <a:lstStyle/>
           <a:p>
+            <a:r>
+              <a:rPr lang="en-US" dirty="0" smtClean="0"/>
+              <a:t>100,000 Rating set was too small!</a:t>
+            </a:r>
+          </a:p>
+          <a:p>
+            <a:pPr lvl="1"/>
+            <a:r>
+              <a:rPr lang="en-US" dirty="0" smtClean="0"/>
+              <a:t>2 people rated </a:t>
+            </a:r>
+            <a:r>
+              <a:rPr lang="en-US" i="1" dirty="0" smtClean="0"/>
+              <a:t>Santa with Muscles</a:t>
+            </a:r>
+            <a:r>
+              <a:rPr lang="en-US" dirty="0" smtClean="0"/>
+              <a:t> (</a:t>
+            </a:r>
+            <a:r>
+              <a:rPr lang="en-US" dirty="0" err="1" smtClean="0"/>
+              <a:t>Movie_id</a:t>
+            </a:r>
+            <a:r>
+              <a:rPr lang="en-US" dirty="0" smtClean="0"/>
+              <a:t>: 1500) a 5 out of 5!</a:t>
+            </a:r>
+          </a:p>
+          <a:p>
+            <a:pPr lvl="1"/>
+            <a:r>
+              <a:rPr lang="en-US" dirty="0" smtClean="0"/>
+              <a:t>Because our model takes in account how well rated a movie is in general, the model believes that </a:t>
+            </a:r>
+            <a:r>
+              <a:rPr lang="en-US" i="1" dirty="0" smtClean="0"/>
+              <a:t>Santa with Muscles</a:t>
+            </a:r>
+            <a:r>
+              <a:rPr lang="en-US" dirty="0" smtClean="0"/>
+              <a:t> is the greatest movie ever and everyone should watch it!</a:t>
+            </a:r>
+          </a:p>
+          <a:p>
+            <a:pPr lvl="1"/>
+            <a:r>
+              <a:rPr lang="en-US" i="1" dirty="0" smtClean="0"/>
+              <a:t>Santa with Muscles</a:t>
+            </a:r>
+            <a:r>
+              <a:rPr lang="en-US" dirty="0" smtClean="0"/>
+              <a:t> got a 2.4/10 on IMDB.</a:t>
+            </a:r>
+          </a:p>
+          <a:p>
+            <a:pPr lvl="1"/>
+            <a:r>
+              <a:rPr lang="en-US" dirty="0" smtClean="0"/>
+              <a:t>Solution?  Bigger Data Set</a:t>
+            </a:r>
             <a:endParaRPr lang="en-US" dirty="0"/>
           </a:p>
         </p:txBody>
       </p:sp>
       <p:sp>
         <p:nvSpPr>
-          <p:cNvPr id="3" name="Picture Placeholder 2"/>
+          <p:cNvPr id="7" name="Content Placeholder 6"/>
           <p:cNvSpPr>
             <a:spLocks noGrp="1"/>
           </p:cNvSpPr>
           <p:nvPr>
-            <p:ph type="pic" idx="1"/>
+            <p:ph sz="half" idx="2"/>
           </p:nvPr>
         </p:nvSpPr>
         <p:spPr/>
+        <p:txBody>
+          <a:bodyPr/>
+          <a:lstStyle/>
+          <a:p>
+            <a:r>
+              <a:rPr lang="en-US" dirty="0" smtClean="0"/>
+              <a:t>20,000,000 Rating set was too big!</a:t>
+            </a:r>
+          </a:p>
+          <a:p>
+            <a:pPr lvl="1"/>
+            <a:r>
+              <a:rPr lang="en-US" dirty="0" smtClean="0"/>
+              <a:t>My laptop froze and then ran out of memory when trying to compute predictions for the 20,000,000 rating data set.</a:t>
+            </a:r>
+          </a:p>
+          <a:p>
+            <a:pPr lvl="1"/>
+            <a:r>
+              <a:rPr lang="en-US" dirty="0" smtClean="0"/>
+              <a:t>Solution?  Try a more powerful computer, use a GPU?</a:t>
+            </a:r>
+            <a:endParaRPr lang="en-US" dirty="0"/>
+          </a:p>
+        </p:txBody>
       </p:sp>
     </p:spTree>
     <p:extLst>
@@ -5971,7 +6166,7 @@
       </p:grpSpPr>
       <p:sp>
         <p:nvSpPr>
-          <p:cNvPr id="2" name="Title 1"/>
+          <p:cNvPr id="5" name="Title 4"/>
           <p:cNvSpPr>
             <a:spLocks noGrp="1"/>
           </p:cNvSpPr>
@@ -5984,18 +6179,22 @@
           <a:bodyPr/>
           <a:lstStyle/>
           <a:p>
+            <a:r>
+              <a:rPr lang="en-US" dirty="0" smtClean="0"/>
+              <a:t>Observations</a:t>
+            </a:r>
             <a:endParaRPr lang="en-US" dirty="0"/>
           </a:p>
         </p:txBody>
       </p:sp>
       <p:sp>
         <p:nvSpPr>
-          <p:cNvPr id="4" name="Text Placeholder 3"/>
+          <p:cNvPr id="6" name="Content Placeholder 5"/>
           <p:cNvSpPr>
             <a:spLocks noGrp="1"/>
           </p:cNvSpPr>
           <p:nvPr>
-            <p:ph type="body" sz="half" idx="2"/>
+            <p:ph sz="half" idx="1"/>
           </p:nvPr>
         </p:nvSpPr>
         <p:spPr/>
@@ -6003,26 +6202,47 @@
           <a:bodyPr/>
           <a:lstStyle/>
           <a:p>
-            <a:endParaRPr lang="en-US" dirty="0"/>
+            <a:r>
+              <a:rPr lang="en-US" dirty="0" smtClean="0"/>
+              <a:t>1,000,000 Rating set took a long time</a:t>
+            </a:r>
+          </a:p>
+          <a:p>
+            <a:pPr lvl="1"/>
+            <a:r>
+              <a:rPr lang="en-US" dirty="0" smtClean="0"/>
+              <a:t>This data set took a long time to process, but it made it through my computer after some time.</a:t>
+            </a:r>
           </a:p>
         </p:txBody>
       </p:sp>
       <p:sp>
         <p:nvSpPr>
-          <p:cNvPr id="3" name="Picture Placeholder 2"/>
+          <p:cNvPr id="7" name="Content Placeholder 6"/>
           <p:cNvSpPr>
             <a:spLocks noGrp="1"/>
           </p:cNvSpPr>
           <p:nvPr>
-            <p:ph type="pic" idx="1"/>
+            <p:ph sz="half" idx="2"/>
           </p:nvPr>
         </p:nvSpPr>
         <p:spPr/>
+        <p:txBody>
+          <a:bodyPr/>
+          <a:lstStyle/>
+          <a:p>
+            <a:r>
+              <a:rPr lang="en-US" dirty="0" smtClean="0"/>
+              <a:t>???</a:t>
+            </a:r>
+            <a:endParaRPr lang="en-US" dirty="0"/>
+          </a:p>
+        </p:txBody>
       </p:sp>
     </p:spTree>
     <p:extLst>
       <p:ext uri="{BB962C8B-B14F-4D97-AF65-F5344CB8AC3E}">
-        <p14:creationId xmlns:p14="http://schemas.microsoft.com/office/powerpoint/2010/main" val="3186028678"/>
+        <p14:creationId xmlns:p14="http://schemas.microsoft.com/office/powerpoint/2010/main" val="1064200216"/>
       </p:ext>
     </p:extLst>
   </p:cSld>
@@ -6048,6 +6268,94 @@
       </p:par>
     </p:tnLst>
   </p:timing>
+</p:sld>
+</file>
+
+<file path=ppt/slides/slide13.xml><?xml version="1.0" encoding="utf-8"?>
+<p:sld xmlns:a="http://schemas.openxmlformats.org/drawingml/2006/main" xmlns:r="http://schemas.openxmlformats.org/officeDocument/2006/relationships" xmlns:p="http://schemas.openxmlformats.org/presentationml/2006/main">
+  <p:cSld>
+    <p:spTree>
+      <p:nvGrpSpPr>
+        <p:cNvPr id="1" name=""/>
+        <p:cNvGrpSpPr/>
+        <p:nvPr/>
+      </p:nvGrpSpPr>
+      <p:grpSpPr>
+        <a:xfrm>
+          <a:off x="0" y="0"/>
+          <a:ext cx="0" cy="0"/>
+          <a:chOff x="0" y="0"/>
+          <a:chExt cx="0" cy="0"/>
+        </a:xfrm>
+      </p:grpSpPr>
+      <p:sp>
+        <p:nvSpPr>
+          <p:cNvPr id="5" name="Subtitle 4"/>
+          <p:cNvSpPr>
+            <a:spLocks noGrp="1"/>
+          </p:cNvSpPr>
+          <p:nvPr>
+            <p:ph type="subTitle" idx="1"/>
+          </p:nvPr>
+        </p:nvSpPr>
+        <p:spPr/>
+        <p:txBody>
+          <a:bodyPr/>
+          <a:lstStyle/>
+          <a:p>
+            <a:r>
+              <a:rPr lang="en-US" dirty="0" smtClean="0"/>
+              <a:t>Thanks for listening!</a:t>
+            </a:r>
+            <a:endParaRPr lang="en-US" dirty="0"/>
+          </a:p>
+        </p:txBody>
+      </p:sp>
+      <p:sp>
+        <p:nvSpPr>
+          <p:cNvPr id="2" name="Title 1"/>
+          <p:cNvSpPr>
+            <a:spLocks noGrp="1"/>
+          </p:cNvSpPr>
+          <p:nvPr>
+            <p:ph type="ctrTitle"/>
+          </p:nvPr>
+        </p:nvSpPr>
+        <p:spPr/>
+        <p:txBody>
+          <a:bodyPr/>
+          <a:lstStyle/>
+          <a:p>
+            <a:r>
+              <a:rPr lang="en-US" dirty="0" smtClean="0"/>
+              <a:t>Questions?</a:t>
+            </a:r>
+            <a:endParaRPr lang="en-US" dirty="0"/>
+          </a:p>
+        </p:txBody>
+      </p:sp>
+    </p:spTree>
+    <p:extLst>
+      <p:ext uri="{BB962C8B-B14F-4D97-AF65-F5344CB8AC3E}">
+        <p14:creationId xmlns:p14="http://schemas.microsoft.com/office/powerpoint/2010/main" val="913463659"/>
+      </p:ext>
+    </p:extLst>
+  </p:cSld>
+  <p:clrMapOvr>
+    <a:masterClrMapping/>
+  </p:clrMapOvr>
+  <mc:AlternateContent xmlns:mc="http://schemas.openxmlformats.org/markup-compatibility/2006" xmlns:p14="http://schemas.microsoft.com/office/powerpoint/2010/main">
+    <mc:Choice Requires="p14">
+      <p:transition spd="med" p14:dur="700">
+        <p:fade/>
+      </p:transition>
+    </mc:Choice>
+    <mc:Fallback xmlns="">
+      <p:transition spd="med">
+        <p:fade/>
+      </p:transition>
+    </mc:Fallback>
+  </mc:AlternateContent>
 </p:sld>
 </file>
 
@@ -15078,15 +15386,7 @@
           <a:p>
             <a:r>
               <a:rPr lang="en-US" dirty="0" smtClean="0"/>
-              <a:t>We sorted the list and kept the </a:t>
-            </a:r>
-            <a:r>
-              <a:rPr lang="en-US" dirty="0" err="1" smtClean="0"/>
-              <a:t>idex</a:t>
-            </a:r>
-            <a:r>
-              <a:rPr lang="en-US" dirty="0" smtClean="0"/>
-              <a:t> (the index represented the </a:t>
+              <a:t>We sorted the list and kept the index (the index represented the </a:t>
             </a:r>
             <a:r>
               <a:rPr lang="en-US" dirty="0" err="1" smtClean="0"/>
@@ -15154,6 +15454,97 @@
           <a:chExt cx="0" cy="0"/>
         </a:xfrm>
       </p:grpSpPr>
+      <p:sp>
+        <p:nvSpPr>
+          <p:cNvPr id="2" name="Title 1"/>
+          <p:cNvSpPr>
+            <a:spLocks noGrp="1"/>
+          </p:cNvSpPr>
+          <p:nvPr>
+            <p:ph type="title"/>
+          </p:nvPr>
+        </p:nvSpPr>
+        <p:spPr/>
+        <p:txBody>
+          <a:bodyPr/>
+          <a:lstStyle/>
+          <a:p>
+            <a:r>
+              <a:rPr lang="en-US" dirty="0" smtClean="0"/>
+              <a:t>What did we Create</a:t>
+            </a:r>
+            <a:endParaRPr lang="en-US" dirty="0"/>
+          </a:p>
+        </p:txBody>
+      </p:sp>
+      <p:pic>
+        <p:nvPicPr>
+          <p:cNvPr id="7" name="Content Placeholder 6"/>
+          <p:cNvPicPr>
+            <a:picLocks noGrp="1" noChangeAspect="1"/>
+          </p:cNvPicPr>
+          <p:nvPr>
+            <p:ph idx="1"/>
+          </p:nvPr>
+        </p:nvPicPr>
+        <p:blipFill>
+          <a:blip r:embed="rId3">
+            <a:extLst>
+              <a:ext uri="{28A0092B-C50C-407E-A947-70E740481C1C}">
+                <a14:useLocalDpi xmlns:a14="http://schemas.microsoft.com/office/drawing/2010/main" val="0"/>
+              </a:ext>
+            </a:extLst>
+          </a:blip>
+          <a:stretch>
+            <a:fillRect/>
+          </a:stretch>
+        </p:blipFill>
+        <p:spPr>
+          <a:xfrm>
+            <a:off x="909545" y="1414607"/>
+            <a:ext cx="5799323" cy="3977985"/>
+          </a:xfrm>
+        </p:spPr>
+      </p:pic>
+      <p:sp>
+        <p:nvSpPr>
+          <p:cNvPr id="6" name="Text Placeholder 5"/>
+          <p:cNvSpPr>
+            <a:spLocks noGrp="1"/>
+          </p:cNvSpPr>
+          <p:nvPr>
+            <p:ph type="body" sz="half" idx="2"/>
+          </p:nvPr>
+        </p:nvSpPr>
+        <p:spPr/>
+        <p:txBody>
+          <a:bodyPr/>
+          <a:lstStyle/>
+          <a:p>
+            <a:r>
+              <a:rPr lang="en-US" dirty="0"/>
+              <a:t>We created a demo Web App that takes a </a:t>
+            </a:r>
+            <a:r>
+              <a:rPr lang="en-US" dirty="0" err="1"/>
+              <a:t>UserID</a:t>
+            </a:r>
+            <a:r>
+              <a:rPr lang="en-US" dirty="0"/>
+              <a:t> and then gives Movie Recommendations. </a:t>
+            </a:r>
+          </a:p>
+          <a:p>
+            <a:r>
+              <a:rPr lang="en-US" dirty="0"/>
+              <a:t>The computation is done only once, and the results are saved so the user does not need to wait for the large data computations to be done.</a:t>
+            </a:r>
+          </a:p>
+          <a:p>
+            <a:endParaRPr lang="en-US" dirty="0"/>
+          </a:p>
+        </p:txBody>
+      </p:sp>
     </p:spTree>
     <p:extLst>
       <p:ext uri="{BB962C8B-B14F-4D97-AF65-F5344CB8AC3E}">

--- a/Recommendation Systems.pptx
+++ b/Recommendation Systems.pptx
@@ -5,10 +5,10 @@
     <p:sldMasterId id="2147483660" r:id="rId2"/>
   </p:sldMasterIdLst>
   <p:notesMasterIdLst>
-    <p:notesMasterId r:id="rId16"/>
+    <p:notesMasterId r:id="rId20"/>
   </p:notesMasterIdLst>
   <p:handoutMasterIdLst>
-    <p:handoutMasterId r:id="rId17"/>
+    <p:handoutMasterId r:id="rId21"/>
   </p:handoutMasterIdLst>
   <p:sldIdLst>
     <p:sldId id="279" r:id="rId3"/>
@@ -20,10 +20,14 @@
     <p:sldId id="293" r:id="rId9"/>
     <p:sldId id="274" r:id="rId10"/>
     <p:sldId id="278" r:id="rId11"/>
-    <p:sldId id="283" r:id="rId12"/>
+    <p:sldId id="294" r:id="rId12"/>
     <p:sldId id="282" r:id="rId13"/>
-    <p:sldId id="294" r:id="rId14"/>
-    <p:sldId id="295" r:id="rId15"/>
+    <p:sldId id="298" r:id="rId14"/>
+    <p:sldId id="299" r:id="rId15"/>
+    <p:sldId id="283" r:id="rId16"/>
+    <p:sldId id="297" r:id="rId17"/>
+    <p:sldId id="296" r:id="rId18"/>
+    <p:sldId id="295" r:id="rId19"/>
   </p:sldIdLst>
   <p:sldSz cx="12188825" cy="6858000"/>
   <p:notesSz cx="6858000" cy="9144000"/>
@@ -237,7 +241,7 @@
           <a:p>
             <a:fld id="{4954C6E1-AF92-4FB7-A013-0B520EBC30AE}" type="datetimeFigureOut">
               <a:rPr lang="en-US"/>
-              <a:t>4/18/2016</a:t>
+              <a:t>4/20/2016</a:t>
             </a:fld>
             <a:endParaRPr/>
           </a:p>
@@ -402,7 +406,7 @@
           <a:p>
             <a:fld id="{95C10850-0874-4A61-99B4-D613C5E8D9EA}" type="datetimeFigureOut">
               <a:rPr lang="en-US"/>
-              <a:t>4/18/2016</a:t>
+              <a:t>4/20/2016</a:t>
             </a:fld>
             <a:endParaRPr/>
           </a:p>
@@ -1904,7 +1908,7 @@
           <a:p>
             <a:fld id="{3B9B9059-F1D6-41D0-95CF-D21CAA096B3A}" type="datetimeFigureOut">
               <a:rPr lang="en-US"/>
-              <a:t>4/18/2016</a:t>
+              <a:t>4/20/2016</a:t>
             </a:fld>
             <a:endParaRPr/>
           </a:p>
@@ -2114,7 +2118,7 @@
           <a:p>
             <a:fld id="{3B9B9059-F1D6-41D0-95CF-D21CAA096B3A}" type="datetimeFigureOut">
               <a:rPr lang="en-US"/>
-              <a:t>4/18/2016</a:t>
+              <a:t>4/20/2016</a:t>
             </a:fld>
             <a:endParaRPr/>
           </a:p>
@@ -2314,7 +2318,7 @@
           <a:p>
             <a:fld id="{3B9B9059-F1D6-41D0-95CF-D21CAA096B3A}" type="datetimeFigureOut">
               <a:rPr lang="en-US"/>
-              <a:t>4/18/2016</a:t>
+              <a:t>4/20/2016</a:t>
             </a:fld>
             <a:endParaRPr/>
           </a:p>
@@ -3067,7 +3071,7 @@
           <a:p>
             <a:fld id="{3B9B9059-F1D6-41D0-95CF-D21CAA096B3A}" type="datetimeFigureOut">
               <a:rPr lang="en-US"/>
-              <a:t>4/18/2016</a:t>
+              <a:t>4/20/2016</a:t>
             </a:fld>
             <a:endParaRPr/>
           </a:p>
@@ -3373,7 +3377,7 @@
           <a:p>
             <a:fld id="{3B9B9059-F1D6-41D0-95CF-D21CAA096B3A}" type="datetimeFigureOut">
               <a:rPr lang="en-US"/>
-              <a:t>4/18/2016</a:t>
+              <a:t>4/20/2016</a:t>
             </a:fld>
             <a:endParaRPr/>
           </a:p>
@@ -3837,7 +3841,7 @@
           <a:p>
             <a:fld id="{3B9B9059-F1D6-41D0-95CF-D21CAA096B3A}" type="datetimeFigureOut">
               <a:rPr lang="en-US"/>
-              <a:t>4/18/2016</a:t>
+              <a:t>4/20/2016</a:t>
             </a:fld>
             <a:endParaRPr/>
           </a:p>
@@ -3969,7 +3973,7 @@
           <a:p>
             <a:fld id="{3B9B9059-F1D6-41D0-95CF-D21CAA096B3A}" type="datetimeFigureOut">
               <a:rPr lang="en-US"/>
-              <a:t>4/18/2016</a:t>
+              <a:t>4/20/2016</a:t>
             </a:fld>
             <a:endParaRPr/>
           </a:p>
@@ -5284,7 +5288,7 @@
             <a:fld id="{3B9B9059-F1D6-41D0-95CF-D21CAA096B3A}" type="datetimeFigureOut">
               <a:rPr lang="en-US"/>
               <a:pPr/>
-              <a:t>4/18/2016</a:t>
+              <a:t>4/20/2016</a:t>
             </a:fld>
             <a:endParaRPr/>
           </a:p>
@@ -5874,7 +5878,7 @@
           <a:p>
             <a:r>
               <a:rPr lang="en-US" dirty="0" smtClean="0"/>
-              <a:t>Testing</a:t>
+              <a:t>Observations</a:t>
             </a:r>
             <a:endParaRPr lang="en-US" dirty="0"/>
           </a:p>
@@ -5887,7 +5891,7 @@
             <a:spLocks noGrp="1"/>
           </p:cNvSpPr>
           <p:nvPr>
-            <p:ph idx="1"/>
+            <p:ph sz="half" idx="1"/>
           </p:nvPr>
         </p:nvSpPr>
         <p:spPr/>
@@ -5897,40 +5901,59 @@
           <a:p>
             <a:r>
               <a:rPr lang="en-US" dirty="0" smtClean="0"/>
-              <a:t>The Movie Lens Data come broken up into a test and base data set</a:t>
-            </a:r>
-          </a:p>
-          <a:p>
-            <a:r>
-              <a:rPr lang="en-US" dirty="0" smtClean="0"/>
-              <a:t>We calculated recommendations for every user using the 100,000 rating set</a:t>
-            </a:r>
-          </a:p>
-          <a:p>
-            <a:r>
-              <a:rPr lang="en-US" dirty="0" smtClean="0"/>
-              <a:t>Calculated standard deviation to determine how well our predictions were.</a:t>
-            </a:r>
-          </a:p>
-          <a:p>
-            <a:r>
-              <a:rPr lang="en-US" dirty="0" smtClean="0"/>
-              <a:t>RESULTS:</a:t>
+              <a:t>1,000,000 Rating set took a long time</a:t>
             </a:r>
           </a:p>
           <a:p>
             <a:pPr lvl="1"/>
             <a:r>
               <a:rPr lang="en-US" dirty="0" smtClean="0"/>
-              <a:t>Insert number here….</a:t>
-            </a:r>
+              <a:t>This data set took a long time to process, but it made it through my computer after some time.</a:t>
+            </a:r>
+          </a:p>
+          <a:p>
+            <a:pPr lvl="1"/>
+            <a:r>
+              <a:rPr lang="en-US" dirty="0" smtClean="0"/>
+              <a:t>Based on visual observation, the issue of the 100,000 Rating set appears to be solved.</a:t>
+            </a:r>
+          </a:p>
+        </p:txBody>
+      </p:sp>
+      <p:sp>
+        <p:nvSpPr>
+          <p:cNvPr id="7" name="Content Placeholder 6"/>
+          <p:cNvSpPr>
+            <a:spLocks noGrp="1"/>
+          </p:cNvSpPr>
+          <p:nvPr>
+            <p:ph sz="half" idx="2"/>
+          </p:nvPr>
+        </p:nvSpPr>
+        <p:spPr/>
+        <p:txBody>
+          <a:bodyPr/>
+          <a:lstStyle/>
+          <a:p>
+            <a:r>
+              <a:rPr lang="en-US" dirty="0" smtClean="0"/>
+              <a:t>10,000,000 Rating was too big for my laptop.</a:t>
+            </a:r>
+          </a:p>
+          <a:p>
+            <a:pPr lvl="1"/>
+            <a:r>
+              <a:rPr lang="en-US" dirty="0" smtClean="0"/>
+              <a:t>Same solutions as before</a:t>
+            </a:r>
+            <a:endParaRPr lang="en-US" dirty="0"/>
           </a:p>
         </p:txBody>
       </p:sp>
     </p:spTree>
     <p:extLst>
       <p:ext uri="{BB962C8B-B14F-4D97-AF65-F5344CB8AC3E}">
-        <p14:creationId xmlns:p14="http://schemas.microsoft.com/office/powerpoint/2010/main" val="2611363983"/>
+        <p14:creationId xmlns:p14="http://schemas.microsoft.com/office/powerpoint/2010/main" val="1064200216"/>
       </p:ext>
     </p:extLst>
   </p:cSld>
@@ -6072,7 +6095,11 @@
             <a:pPr lvl="1"/>
             <a:r>
               <a:rPr lang="en-US" dirty="0" smtClean="0"/>
-              <a:t>Solution?  Bigger Data Set</a:t>
+              <a:t>Solution?  Bigger Data Set, weighted movie </a:t>
+            </a:r>
+            <a:r>
+              <a:rPr lang="en-US" dirty="0" smtClean="0"/>
+              <a:t>averages?</a:t>
             </a:r>
             <a:endParaRPr lang="en-US" dirty="0"/>
           </a:p>
@@ -6109,7 +6136,7 @@
             <a:pPr lvl="1"/>
             <a:r>
               <a:rPr lang="en-US" dirty="0" smtClean="0"/>
-              <a:t>Solution?  Try a more powerful computer, use a GPU?</a:t>
+              <a:t>Solution?  Get more memory, don’t save as many variables, GPU for faster processing, many more.</a:t>
             </a:r>
             <a:endParaRPr lang="en-US" dirty="0"/>
           </a:p>
@@ -6166,7 +6193,7 @@
       </p:grpSpPr>
       <p:sp>
         <p:nvSpPr>
-          <p:cNvPr id="5" name="Title 4"/>
+          <p:cNvPr id="16" name="Title 15"/>
           <p:cNvSpPr>
             <a:spLocks noGrp="1"/>
           </p:cNvSpPr>
@@ -6181,68 +6208,49 @@
           <a:p>
             <a:r>
               <a:rPr lang="en-US" dirty="0" smtClean="0"/>
-              <a:t>Observations</a:t>
+              <a:t>More on </a:t>
+            </a:r>
+            <a:r>
+              <a:rPr lang="en-US" i="1" dirty="0" smtClean="0"/>
+              <a:t>Santa with muscles</a:t>
             </a:r>
             <a:endParaRPr lang="en-US" dirty="0"/>
           </a:p>
         </p:txBody>
       </p:sp>
-      <p:sp>
-        <p:nvSpPr>
-          <p:cNvPr id="6" name="Content Placeholder 5"/>
-          <p:cNvSpPr>
-            <a:spLocks noGrp="1"/>
-          </p:cNvSpPr>
+      <p:pic>
+        <p:nvPicPr>
+          <p:cNvPr id="38" name="Content Placeholder 37"/>
+          <p:cNvPicPr>
+            <a:picLocks noGrp="1" noChangeAspect="1"/>
+          </p:cNvPicPr>
           <p:nvPr>
-            <p:ph sz="half" idx="1"/>
+            <p:ph idx="1"/>
           </p:nvPr>
-        </p:nvSpPr>
-        <p:spPr/>
-        <p:txBody>
-          <a:bodyPr/>
-          <a:lstStyle/>
-          <a:p>
-            <a:r>
-              <a:rPr lang="en-US" dirty="0" smtClean="0"/>
-              <a:t>1,000,000 Rating set took a long time</a:t>
-            </a:r>
-          </a:p>
-          <a:p>
-            <a:pPr lvl="1"/>
-            <a:r>
-              <a:rPr lang="en-US" dirty="0" smtClean="0"/>
-              <a:t>This data set took a long time to process, but it made it through my computer after some time.</a:t>
-            </a:r>
-          </a:p>
-        </p:txBody>
-      </p:sp>
-      <p:sp>
-        <p:nvSpPr>
-          <p:cNvPr id="7" name="Content Placeholder 6"/>
-          <p:cNvSpPr>
-            <a:spLocks noGrp="1"/>
-          </p:cNvSpPr>
-          <p:nvPr>
-            <p:ph sz="half" idx="2"/>
-          </p:nvPr>
-        </p:nvSpPr>
-        <p:spPr/>
-        <p:txBody>
-          <a:bodyPr/>
-          <a:lstStyle/>
-          <a:p>
-            <a:r>
-              <a:rPr lang="en-US" dirty="0" smtClean="0"/>
-              <a:t>???</a:t>
-            </a:r>
-            <a:endParaRPr lang="en-US" dirty="0"/>
-          </a:p>
-        </p:txBody>
-      </p:sp>
+        </p:nvPicPr>
+        <p:blipFill>
+          <a:blip r:embed="rId2">
+            <a:extLst>
+              <a:ext uri="{28A0092B-C50C-407E-A947-70E740481C1C}">
+                <a14:useLocalDpi xmlns:a14="http://schemas.microsoft.com/office/drawing/2010/main" val="0"/>
+              </a:ext>
+            </a:extLst>
+          </a:blip>
+          <a:stretch>
+            <a:fillRect/>
+          </a:stretch>
+        </p:blipFill>
+        <p:spPr>
+          <a:xfrm>
+            <a:off x="2543185" y="1820988"/>
+            <a:ext cx="7102455" cy="4435224"/>
+          </a:xfrm>
+        </p:spPr>
+      </p:pic>
     </p:spTree>
     <p:extLst>
       <p:ext uri="{BB962C8B-B14F-4D97-AF65-F5344CB8AC3E}">
-        <p14:creationId xmlns:p14="http://schemas.microsoft.com/office/powerpoint/2010/main" val="1064200216"/>
+        <p14:creationId xmlns:p14="http://schemas.microsoft.com/office/powerpoint/2010/main" val="962337953"/>
       </p:ext>
     </p:extLst>
   </p:cSld>
@@ -6290,6 +6298,3497 @@
       </p:grpSpPr>
       <p:sp>
         <p:nvSpPr>
+          <p:cNvPr id="2" name="Title 1"/>
+          <p:cNvSpPr>
+            <a:spLocks noGrp="1"/>
+          </p:cNvSpPr>
+          <p:nvPr>
+            <p:ph type="title"/>
+          </p:nvPr>
+        </p:nvSpPr>
+        <p:spPr/>
+        <p:txBody>
+          <a:bodyPr/>
+          <a:lstStyle/>
+          <a:p>
+            <a:r>
+              <a:rPr lang="en-US" dirty="0" smtClean="0"/>
+              <a:t>Our final Calculations</a:t>
+            </a:r>
+            <a:endParaRPr lang="en-US" dirty="0"/>
+          </a:p>
+        </p:txBody>
+      </p:sp>
+      <p:sp>
+        <p:nvSpPr>
+          <p:cNvPr id="4" name="Rectangle 1"/>
+          <p:cNvSpPr>
+            <a:spLocks noGrp="1" noChangeArrowheads="1"/>
+          </p:cNvSpPr>
+          <p:nvPr>
+            <p:ph idx="1"/>
+          </p:nvPr>
+        </p:nvSpPr>
+        <p:spPr bwMode="auto">
+          <a:xfrm>
+            <a:off x="379412" y="2640698"/>
+            <a:ext cx="11353800" cy="1754326"/>
+          </a:xfrm>
+          <a:prstGeom prst="rect">
+            <a:avLst/>
+          </a:prstGeom>
+          <a:solidFill>
+            <a:schemeClr val="tx2"/>
+          </a:solidFill>
+          <a:ln/>
+        </p:spPr>
+        <p:style>
+          <a:lnRef idx="2">
+            <a:schemeClr val="accent6"/>
+          </a:lnRef>
+          <a:fillRef idx="1">
+            <a:schemeClr val="lt1"/>
+          </a:fillRef>
+          <a:effectRef idx="0">
+            <a:schemeClr val="accent6"/>
+          </a:effectRef>
+          <a:fontRef idx="minor">
+            <a:schemeClr val="dk1"/>
+          </a:fontRef>
+        </p:style>
+        <p:txBody>
+          <a:bodyPr vert="horz" wrap="square" lIns="91440" tIns="45720" rIns="91440" bIns="45720" numCol="1" anchor="ctr" anchorCtr="0" compatLnSpc="1">
+            <a:prstTxWarp prst="textNoShape">
+              <a:avLst/>
+            </a:prstTxWarp>
+            <a:spAutoFit/>
+          </a:bodyPr>
+          <a:lstStyle/>
+          <a:p>
+            <a:pPr marL="0" marR="0" lvl="0" indent="0" algn="l" defTabSz="914400" rtl="0" eaLnBrk="0" fontAlgn="base" latinLnBrk="0" hangingPunct="0">
+              <a:lnSpc>
+                <a:spcPct val="100000"/>
+              </a:lnSpc>
+              <a:spcBef>
+                <a:spcPct val="0"/>
+              </a:spcBef>
+              <a:spcAft>
+                <a:spcPct val="0"/>
+              </a:spcAft>
+              <a:buClrTx/>
+              <a:buSzTx/>
+              <a:buFontTx/>
+              <a:buNone/>
+              <a:tabLst/>
+            </a:pPr>
+            <a:r>
+              <a:rPr kumimoji="0" lang="en-US" altLang="en-US" sz="1800" i="0" u="none" strike="noStrike" normalizeH="0" baseline="0" dirty="0" smtClean="0">
+                <a:ln w="0"/>
+                <a:solidFill>
+                  <a:schemeClr val="bg1"/>
+                </a:solidFill>
+                <a:effectLst>
+                  <a:outerShdw blurRad="38100" dist="19050" dir="2700000" algn="tl" rotWithShape="0">
+                    <a:schemeClr val="dk1">
+                      <a:alpha val="40000"/>
+                    </a:schemeClr>
+                  </a:outerShdw>
+                </a:effectLst>
+                <a:latin typeface="Courier New" panose="02070309020205020404" pitchFamily="49" charset="0"/>
+                <a:cs typeface="Courier New" panose="02070309020205020404" pitchFamily="49" charset="0"/>
+              </a:rPr>
+              <a:t>rel_array1 = u[</a:t>
+            </a:r>
+            <a:r>
+              <a:rPr kumimoji="0" lang="en-US" altLang="en-US" sz="1800" i="0" u="none" strike="noStrike" normalizeH="0" baseline="0" dirty="0" err="1" smtClean="0">
+                <a:ln w="0"/>
+                <a:solidFill>
+                  <a:schemeClr val="bg1"/>
+                </a:solidFill>
+                <a:effectLst>
+                  <a:outerShdw blurRad="38100" dist="19050" dir="2700000" algn="tl" rotWithShape="0">
+                    <a:schemeClr val="dk1">
+                      <a:alpha val="40000"/>
+                    </a:schemeClr>
+                  </a:outerShdw>
+                </a:effectLst>
+                <a:latin typeface="Courier New" panose="02070309020205020404" pitchFamily="49" charset="0"/>
+                <a:cs typeface="Courier New" panose="02070309020205020404" pitchFamily="49" charset="0"/>
+              </a:rPr>
+              <a:t>chosen_row</a:t>
+            </a:r>
+            <a:r>
+              <a:rPr kumimoji="0" lang="en-US" altLang="en-US" sz="1800" i="0" u="none" strike="noStrike" normalizeH="0" baseline="0" dirty="0" smtClean="0">
+                <a:ln w="0"/>
+                <a:solidFill>
+                  <a:schemeClr val="bg1"/>
+                </a:solidFill>
+                <a:effectLst>
+                  <a:outerShdw blurRad="38100" dist="19050" dir="2700000" algn="tl" rotWithShape="0">
+                    <a:schemeClr val="dk1">
+                      <a:alpha val="40000"/>
+                    </a:schemeClr>
+                  </a:outerShdw>
+                </a:effectLst>
+                <a:latin typeface="Courier New" panose="02070309020205020404" pitchFamily="49" charset="0"/>
+                <a:cs typeface="Courier New" panose="02070309020205020404" pitchFamily="49" charset="0"/>
+              </a:rPr>
+              <a:t>].dot(sigma).dot(</a:t>
+            </a:r>
+            <a:r>
+              <a:rPr kumimoji="0" lang="en-US" altLang="en-US" sz="1800" i="0" u="none" strike="noStrike" normalizeH="0" baseline="0" dirty="0" err="1" smtClean="0">
+                <a:ln w="0"/>
+                <a:solidFill>
+                  <a:schemeClr val="bg1"/>
+                </a:solidFill>
+                <a:effectLst>
+                  <a:outerShdw blurRad="38100" dist="19050" dir="2700000" algn="tl" rotWithShape="0">
+                    <a:schemeClr val="dk1">
+                      <a:alpha val="40000"/>
+                    </a:schemeClr>
+                  </a:outerShdw>
+                </a:effectLst>
+                <a:latin typeface="Courier New" panose="02070309020205020404" pitchFamily="49" charset="0"/>
+                <a:cs typeface="Courier New" panose="02070309020205020404" pitchFamily="49" charset="0"/>
+              </a:rPr>
+              <a:t>vt</a:t>
+            </a:r>
+            <a:r>
+              <a:rPr kumimoji="0" lang="en-US" altLang="en-US" sz="1800" i="0" u="none" strike="noStrike" normalizeH="0" baseline="0" dirty="0" smtClean="0">
+                <a:ln w="0"/>
+                <a:solidFill>
+                  <a:schemeClr val="bg1"/>
+                </a:solidFill>
+                <a:effectLst>
+                  <a:outerShdw blurRad="38100" dist="19050" dir="2700000" algn="tl" rotWithShape="0">
+                    <a:schemeClr val="dk1">
+                      <a:alpha val="40000"/>
+                    </a:schemeClr>
+                  </a:outerShdw>
+                </a:effectLst>
+                <a:latin typeface="Courier New" panose="02070309020205020404" pitchFamily="49" charset="0"/>
+                <a:cs typeface="Courier New" panose="02070309020205020404" pitchFamily="49" charset="0"/>
+              </a:rPr>
+              <a:t>) + </a:t>
+            </a:r>
+            <a:r>
+              <a:rPr kumimoji="0" lang="en-US" altLang="en-US" sz="1800" i="0" u="none" strike="noStrike" normalizeH="0" baseline="0" dirty="0" err="1" smtClean="0">
+                <a:ln w="0"/>
+                <a:solidFill>
+                  <a:schemeClr val="bg1"/>
+                </a:solidFill>
+                <a:effectLst>
+                  <a:outerShdw blurRad="38100" dist="19050" dir="2700000" algn="tl" rotWithShape="0">
+                    <a:schemeClr val="dk1">
+                      <a:alpha val="40000"/>
+                    </a:schemeClr>
+                  </a:outerShdw>
+                </a:effectLst>
+                <a:latin typeface="Courier New" panose="02070309020205020404" pitchFamily="49" charset="0"/>
+                <a:cs typeface="Courier New" panose="02070309020205020404" pitchFamily="49" charset="0"/>
+              </a:rPr>
+              <a:t>average_rating</a:t>
+            </a:r>
+            <a:r>
+              <a:rPr kumimoji="0" lang="en-US" altLang="en-US" sz="1800" i="0" u="none" strike="noStrike" normalizeH="0" baseline="0" dirty="0" smtClean="0">
+                <a:ln w="0"/>
+                <a:solidFill>
+                  <a:schemeClr val="bg1"/>
+                </a:solidFill>
+                <a:effectLst>
+                  <a:outerShdw blurRad="38100" dist="19050" dir="2700000" algn="tl" rotWithShape="0">
+                    <a:schemeClr val="dk1">
+                      <a:alpha val="40000"/>
+                    </a:schemeClr>
+                  </a:outerShdw>
+                </a:effectLst>
+                <a:latin typeface="Courier New" panose="02070309020205020404" pitchFamily="49" charset="0"/>
+                <a:cs typeface="Courier New" panose="02070309020205020404" pitchFamily="49" charset="0"/>
+              </a:rPr>
+              <a:t> + </a:t>
+            </a:r>
+            <a:r>
+              <a:rPr kumimoji="0" lang="en-US" altLang="en-US" sz="1800" i="0" u="none" strike="noStrike" normalizeH="0" baseline="0" dirty="0" err="1" smtClean="0">
+                <a:ln w="0"/>
+                <a:solidFill>
+                  <a:schemeClr val="bg1"/>
+                </a:solidFill>
+                <a:effectLst>
+                  <a:outerShdw blurRad="38100" dist="19050" dir="2700000" algn="tl" rotWithShape="0">
+                    <a:schemeClr val="dk1">
+                      <a:alpha val="40000"/>
+                    </a:schemeClr>
+                  </a:outerShdw>
+                </a:effectLst>
+                <a:latin typeface="Courier New" panose="02070309020205020404" pitchFamily="49" charset="0"/>
+                <a:cs typeface="Courier New" panose="02070309020205020404" pitchFamily="49" charset="0"/>
+              </a:rPr>
+              <a:t>average_exceed_rating.item</a:t>
+            </a:r>
+            <a:r>
+              <a:rPr kumimoji="0" lang="en-US" altLang="en-US" sz="1800" i="0" u="none" strike="noStrike" normalizeH="0" baseline="0" dirty="0" smtClean="0">
+                <a:ln w="0"/>
+                <a:solidFill>
+                  <a:schemeClr val="bg1"/>
+                </a:solidFill>
+                <a:effectLst>
+                  <a:outerShdw blurRad="38100" dist="19050" dir="2700000" algn="tl" rotWithShape="0">
+                    <a:schemeClr val="dk1">
+                      <a:alpha val="40000"/>
+                    </a:schemeClr>
+                  </a:outerShdw>
+                </a:effectLst>
+                <a:latin typeface="Courier New" panose="02070309020205020404" pitchFamily="49" charset="0"/>
+                <a:cs typeface="Courier New" panose="02070309020205020404" pitchFamily="49" charset="0"/>
+              </a:rPr>
+              <a:t>(</a:t>
+            </a:r>
+            <a:r>
+              <a:rPr kumimoji="0" lang="en-US" altLang="en-US" sz="1800" i="0" u="none" strike="noStrike" normalizeH="0" baseline="0" dirty="0" err="1" smtClean="0">
+                <a:ln w="0"/>
+                <a:solidFill>
+                  <a:schemeClr val="bg1"/>
+                </a:solidFill>
+                <a:effectLst>
+                  <a:outerShdw blurRad="38100" dist="19050" dir="2700000" algn="tl" rotWithShape="0">
+                    <a:schemeClr val="dk1">
+                      <a:alpha val="40000"/>
+                    </a:schemeClr>
+                  </a:outerShdw>
+                </a:effectLst>
+                <a:latin typeface="Courier New" panose="02070309020205020404" pitchFamily="49" charset="0"/>
+                <a:cs typeface="Courier New" panose="02070309020205020404" pitchFamily="49" charset="0"/>
+              </a:rPr>
+              <a:t>chosen_row</a:t>
+            </a:r>
+            <a:r>
+              <a:rPr kumimoji="0" lang="en-US" altLang="en-US" sz="1800" i="0" u="none" strike="noStrike" normalizeH="0" baseline="0" dirty="0" smtClean="0">
+                <a:ln w="0"/>
+                <a:solidFill>
+                  <a:schemeClr val="bg1"/>
+                </a:solidFill>
+                <a:effectLst>
+                  <a:outerShdw blurRad="38100" dist="19050" dir="2700000" algn="tl" rotWithShape="0">
+                    <a:schemeClr val="dk1">
+                      <a:alpha val="40000"/>
+                    </a:schemeClr>
+                  </a:outerShdw>
+                </a:effectLst>
+                <a:latin typeface="Courier New" panose="02070309020205020404" pitchFamily="49" charset="0"/>
+                <a:cs typeface="Courier New" panose="02070309020205020404" pitchFamily="49" charset="0"/>
+              </a:rPr>
+              <a:t>)</a:t>
+            </a:r>
+            <a:br>
+              <a:rPr kumimoji="0" lang="en-US" altLang="en-US" sz="1800" i="0" u="none" strike="noStrike" normalizeH="0" baseline="0" dirty="0" smtClean="0">
+                <a:ln w="0"/>
+                <a:solidFill>
+                  <a:schemeClr val="bg1"/>
+                </a:solidFill>
+                <a:effectLst>
+                  <a:outerShdw blurRad="38100" dist="19050" dir="2700000" algn="tl" rotWithShape="0">
+                    <a:schemeClr val="dk1">
+                      <a:alpha val="40000"/>
+                    </a:schemeClr>
+                  </a:outerShdw>
+                </a:effectLst>
+                <a:latin typeface="Courier New" panose="02070309020205020404" pitchFamily="49" charset="0"/>
+                <a:cs typeface="Courier New" panose="02070309020205020404" pitchFamily="49" charset="0"/>
+              </a:rPr>
+            </a:br>
+            <a:r>
+              <a:rPr kumimoji="0" lang="en-US" altLang="en-US" sz="1800" i="0" u="none" strike="noStrike" normalizeH="0" baseline="0" dirty="0" smtClean="0">
+                <a:ln w="0"/>
+                <a:solidFill>
+                  <a:schemeClr val="bg1"/>
+                </a:solidFill>
+                <a:effectLst>
+                  <a:outerShdw blurRad="38100" dist="19050" dir="2700000" algn="tl" rotWithShape="0">
+                    <a:schemeClr val="dk1">
+                      <a:alpha val="40000"/>
+                    </a:schemeClr>
+                  </a:outerShdw>
+                </a:effectLst>
+                <a:latin typeface="Courier New" panose="02070309020205020404" pitchFamily="49" charset="0"/>
+                <a:cs typeface="Courier New" panose="02070309020205020404" pitchFamily="49" charset="0"/>
+              </a:rPr>
+              <a:t>rel_array1 = </a:t>
+            </a:r>
+            <a:r>
+              <a:rPr kumimoji="0" lang="en-US" altLang="en-US" sz="1800" i="0" u="none" strike="noStrike" normalizeH="0" baseline="0" dirty="0" err="1" smtClean="0">
+                <a:ln w="0"/>
+                <a:solidFill>
+                  <a:schemeClr val="bg1"/>
+                </a:solidFill>
+                <a:effectLst>
+                  <a:outerShdw blurRad="38100" dist="19050" dir="2700000" algn="tl" rotWithShape="0">
+                    <a:schemeClr val="dk1">
+                      <a:alpha val="40000"/>
+                    </a:schemeClr>
+                  </a:outerShdw>
+                </a:effectLst>
+                <a:latin typeface="Courier New" panose="02070309020205020404" pitchFamily="49" charset="0"/>
+                <a:cs typeface="Courier New" panose="02070309020205020404" pitchFamily="49" charset="0"/>
+              </a:rPr>
+              <a:t>np.multiply</a:t>
+            </a:r>
+            <a:r>
+              <a:rPr kumimoji="0" lang="en-US" altLang="en-US" sz="1800" i="0" u="none" strike="noStrike" normalizeH="0" baseline="0" dirty="0" smtClean="0">
+                <a:ln w="0"/>
+                <a:solidFill>
+                  <a:schemeClr val="bg1"/>
+                </a:solidFill>
+                <a:effectLst>
+                  <a:outerShdw blurRad="38100" dist="19050" dir="2700000" algn="tl" rotWithShape="0">
+                    <a:schemeClr val="dk1">
+                      <a:alpha val="40000"/>
+                    </a:schemeClr>
+                  </a:outerShdw>
+                </a:effectLst>
+                <a:latin typeface="Courier New" panose="02070309020205020404" pitchFamily="49" charset="0"/>
+                <a:cs typeface="Courier New" panose="02070309020205020404" pitchFamily="49" charset="0"/>
+              </a:rPr>
+              <a:t>(rel_array1, </a:t>
+            </a:r>
+            <a:r>
+              <a:rPr kumimoji="0" lang="en-US" altLang="en-US" sz="1800" i="0" u="none" strike="noStrike" normalizeH="0" baseline="0" dirty="0" err="1" smtClean="0">
+                <a:ln w="0"/>
+                <a:solidFill>
+                  <a:schemeClr val="bg1"/>
+                </a:solidFill>
+                <a:effectLst>
+                  <a:outerShdw blurRad="38100" dist="19050" dir="2700000" algn="tl" rotWithShape="0">
+                    <a:schemeClr val="dk1">
+                      <a:alpha val="40000"/>
+                    </a:schemeClr>
+                  </a:outerShdw>
+                </a:effectLst>
+                <a:latin typeface="Courier New" panose="02070309020205020404" pitchFamily="49" charset="0"/>
+                <a:cs typeface="Courier New" panose="02070309020205020404" pitchFamily="49" charset="0"/>
+              </a:rPr>
+              <a:t>weight_for_movie</a:t>
+            </a:r>
+            <a:r>
+              <a:rPr kumimoji="0" lang="en-US" altLang="en-US" sz="1800" i="0" u="none" strike="noStrike" normalizeH="0" baseline="0" dirty="0" smtClean="0">
+                <a:ln w="0"/>
+                <a:solidFill>
+                  <a:schemeClr val="bg1"/>
+                </a:solidFill>
+                <a:effectLst>
+                  <a:outerShdw blurRad="38100" dist="19050" dir="2700000" algn="tl" rotWithShape="0">
+                    <a:schemeClr val="dk1">
+                      <a:alpha val="40000"/>
+                    </a:schemeClr>
+                  </a:outerShdw>
+                </a:effectLst>
+                <a:latin typeface="Courier New" panose="02070309020205020404" pitchFamily="49" charset="0"/>
+                <a:cs typeface="Courier New" panose="02070309020205020404" pitchFamily="49" charset="0"/>
+              </a:rPr>
+              <a:t>) + (1 - </a:t>
+            </a:r>
+            <a:r>
+              <a:rPr kumimoji="0" lang="en-US" altLang="en-US" sz="1800" i="0" u="none" strike="noStrike" normalizeH="0" baseline="0" dirty="0" err="1" smtClean="0">
+                <a:ln w="0"/>
+                <a:solidFill>
+                  <a:schemeClr val="bg1"/>
+                </a:solidFill>
+                <a:effectLst>
+                  <a:outerShdw blurRad="38100" dist="19050" dir="2700000" algn="tl" rotWithShape="0">
+                    <a:schemeClr val="dk1">
+                      <a:alpha val="40000"/>
+                    </a:schemeClr>
+                  </a:outerShdw>
+                </a:effectLst>
+                <a:latin typeface="Courier New" panose="02070309020205020404" pitchFamily="49" charset="0"/>
+                <a:cs typeface="Courier New" panose="02070309020205020404" pitchFamily="49" charset="0"/>
+              </a:rPr>
+              <a:t>weight_for_movie</a:t>
+            </a:r>
+            <a:r>
+              <a:rPr kumimoji="0" lang="en-US" altLang="en-US" sz="1800" i="0" u="none" strike="noStrike" normalizeH="0" baseline="0" dirty="0" smtClean="0">
+                <a:ln w="0"/>
+                <a:solidFill>
+                  <a:schemeClr val="bg1"/>
+                </a:solidFill>
+                <a:effectLst>
+                  <a:outerShdw blurRad="38100" dist="19050" dir="2700000" algn="tl" rotWithShape="0">
+                    <a:schemeClr val="dk1">
+                      <a:alpha val="40000"/>
+                    </a:schemeClr>
+                  </a:outerShdw>
+                </a:effectLst>
+                <a:latin typeface="Courier New" panose="02070309020205020404" pitchFamily="49" charset="0"/>
+                <a:cs typeface="Courier New" panose="02070309020205020404" pitchFamily="49" charset="0"/>
+              </a:rPr>
+              <a:t>) * 3</a:t>
+            </a:r>
+            <a:br>
+              <a:rPr kumimoji="0" lang="en-US" altLang="en-US" sz="1800" i="0" u="none" strike="noStrike" normalizeH="0" baseline="0" dirty="0" smtClean="0">
+                <a:ln w="0"/>
+                <a:solidFill>
+                  <a:schemeClr val="bg1"/>
+                </a:solidFill>
+                <a:effectLst>
+                  <a:outerShdw blurRad="38100" dist="19050" dir="2700000" algn="tl" rotWithShape="0">
+                    <a:schemeClr val="dk1">
+                      <a:alpha val="40000"/>
+                    </a:schemeClr>
+                  </a:outerShdw>
+                </a:effectLst>
+                <a:latin typeface="Courier New" panose="02070309020205020404" pitchFamily="49" charset="0"/>
+                <a:cs typeface="Courier New" panose="02070309020205020404" pitchFamily="49" charset="0"/>
+              </a:rPr>
+            </a:br>
+            <a:r>
+              <a:rPr kumimoji="0" lang="en-US" altLang="en-US" sz="1800" i="0" u="none" strike="noStrike" normalizeH="0" baseline="0" dirty="0" err="1" smtClean="0">
+                <a:ln w="0"/>
+                <a:solidFill>
+                  <a:schemeClr val="bg1"/>
+                </a:solidFill>
+                <a:effectLst>
+                  <a:outerShdw blurRad="38100" dist="19050" dir="2700000" algn="tl" rotWithShape="0">
+                    <a:schemeClr val="dk1">
+                      <a:alpha val="40000"/>
+                    </a:schemeClr>
+                  </a:outerShdw>
+                </a:effectLst>
+                <a:latin typeface="Courier New" panose="02070309020205020404" pitchFamily="49" charset="0"/>
+                <a:cs typeface="Courier New" panose="02070309020205020404" pitchFamily="49" charset="0"/>
+              </a:rPr>
+              <a:t>Final</a:t>
+            </a:r>
+            <a:r>
+              <a:rPr lang="en-US" altLang="en-US" sz="1800" dirty="0" err="1" smtClean="0">
+                <a:ln w="0"/>
+                <a:solidFill>
+                  <a:schemeClr val="bg1"/>
+                </a:solidFill>
+                <a:effectLst>
+                  <a:outerShdw blurRad="38100" dist="19050" dir="2700000" algn="tl" rotWithShape="0">
+                    <a:schemeClr val="dk1">
+                      <a:alpha val="40000"/>
+                    </a:schemeClr>
+                  </a:outerShdw>
+                </a:effectLst>
+                <a:latin typeface="Courier New" panose="02070309020205020404" pitchFamily="49" charset="0"/>
+                <a:cs typeface="Courier New" panose="02070309020205020404" pitchFamily="49" charset="0"/>
+              </a:rPr>
+              <a:t>_Preds</a:t>
+            </a:r>
+            <a:r>
+              <a:rPr lang="en-US" altLang="en-US" sz="1800" dirty="0" smtClean="0">
+                <a:ln w="0"/>
+                <a:solidFill>
+                  <a:schemeClr val="bg1"/>
+                </a:solidFill>
+                <a:effectLst>
+                  <a:outerShdw blurRad="38100" dist="19050" dir="2700000" algn="tl" rotWithShape="0">
+                    <a:schemeClr val="dk1">
+                      <a:alpha val="40000"/>
+                    </a:schemeClr>
+                  </a:outerShdw>
+                </a:effectLst>
+                <a:latin typeface="Courier New" panose="02070309020205020404" pitchFamily="49" charset="0"/>
+                <a:cs typeface="Courier New" panose="02070309020205020404" pitchFamily="49" charset="0"/>
+              </a:rPr>
+              <a:t> </a:t>
+            </a:r>
+            <a:r>
+              <a:rPr kumimoji="0" lang="en-US" altLang="en-US" sz="1800" i="0" u="none" strike="noStrike" normalizeH="0" baseline="0" dirty="0" smtClean="0">
+                <a:ln w="0"/>
+                <a:solidFill>
+                  <a:schemeClr val="bg1"/>
+                </a:solidFill>
+                <a:effectLst>
+                  <a:outerShdw blurRad="38100" dist="19050" dir="2700000" algn="tl" rotWithShape="0">
+                    <a:schemeClr val="dk1">
+                      <a:alpha val="40000"/>
+                    </a:schemeClr>
+                  </a:outerShdw>
+                </a:effectLst>
+                <a:latin typeface="Courier New" panose="02070309020205020404" pitchFamily="49" charset="0"/>
+                <a:cs typeface="Courier New" panose="02070309020205020404" pitchFamily="49" charset="0"/>
+              </a:rPr>
+              <a:t>= rel_array1 - (</a:t>
+            </a:r>
+            <a:r>
+              <a:rPr kumimoji="0" lang="en-US" altLang="en-US" sz="1800" i="0" u="none" strike="noStrike" normalizeH="0" baseline="0" dirty="0" err="1" smtClean="0">
+                <a:ln w="0"/>
+                <a:solidFill>
+                  <a:schemeClr val="bg1"/>
+                </a:solidFill>
+                <a:effectLst>
+                  <a:outerShdw blurRad="38100" dist="19050" dir="2700000" algn="tl" rotWithShape="0">
+                    <a:schemeClr val="dk1">
+                      <a:alpha val="40000"/>
+                    </a:schemeClr>
+                  </a:outerShdw>
+                </a:effectLst>
+                <a:latin typeface="Courier New" panose="02070309020205020404" pitchFamily="49" charset="0"/>
+                <a:cs typeface="Courier New" panose="02070309020205020404" pitchFamily="49" charset="0"/>
+              </a:rPr>
+              <a:t>sparse_matrix.getrow</a:t>
+            </a:r>
+            <a:r>
+              <a:rPr kumimoji="0" lang="en-US" altLang="en-US" sz="1800" i="0" u="none" strike="noStrike" normalizeH="0" baseline="0" dirty="0" smtClean="0">
+                <a:ln w="0"/>
+                <a:solidFill>
+                  <a:schemeClr val="bg1"/>
+                </a:solidFill>
+                <a:effectLst>
+                  <a:outerShdw blurRad="38100" dist="19050" dir="2700000" algn="tl" rotWithShape="0">
+                    <a:schemeClr val="dk1">
+                      <a:alpha val="40000"/>
+                    </a:schemeClr>
+                  </a:outerShdw>
+                </a:effectLst>
+                <a:latin typeface="Courier New" panose="02070309020205020404" pitchFamily="49" charset="0"/>
+                <a:cs typeface="Courier New" panose="02070309020205020404" pitchFamily="49" charset="0"/>
+              </a:rPr>
+              <a:t>(</a:t>
+            </a:r>
+            <a:r>
+              <a:rPr kumimoji="0" lang="en-US" altLang="en-US" sz="1800" i="0" u="none" strike="noStrike" normalizeH="0" baseline="0" dirty="0" err="1" smtClean="0">
+                <a:ln w="0"/>
+                <a:solidFill>
+                  <a:schemeClr val="bg1"/>
+                </a:solidFill>
+                <a:effectLst>
+                  <a:outerShdw blurRad="38100" dist="19050" dir="2700000" algn="tl" rotWithShape="0">
+                    <a:schemeClr val="dk1">
+                      <a:alpha val="40000"/>
+                    </a:schemeClr>
+                  </a:outerShdw>
+                </a:effectLst>
+                <a:latin typeface="Courier New" panose="02070309020205020404" pitchFamily="49" charset="0"/>
+                <a:cs typeface="Courier New" panose="02070309020205020404" pitchFamily="49" charset="0"/>
+              </a:rPr>
+              <a:t>chosen_row</a:t>
+            </a:r>
+            <a:r>
+              <a:rPr kumimoji="0" lang="en-US" altLang="en-US" sz="1800" i="0" u="none" strike="noStrike" normalizeH="0" baseline="0" dirty="0" smtClean="0">
+                <a:ln w="0"/>
+                <a:solidFill>
+                  <a:schemeClr val="bg1"/>
+                </a:solidFill>
+                <a:effectLst>
+                  <a:outerShdw blurRad="38100" dist="19050" dir="2700000" algn="tl" rotWithShape="0">
+                    <a:schemeClr val="dk1">
+                      <a:alpha val="40000"/>
+                    </a:schemeClr>
+                  </a:outerShdw>
+                </a:effectLst>
+                <a:latin typeface="Courier New" panose="02070309020205020404" pitchFamily="49" charset="0"/>
+                <a:cs typeface="Courier New" panose="02070309020205020404" pitchFamily="49" charset="0"/>
+              </a:rPr>
+              <a:t>) != 0).multiply(rel_array1)</a:t>
+            </a:r>
+            <a:endParaRPr kumimoji="0" lang="en-US" altLang="en-US" sz="4400" i="0" u="none" strike="noStrike" normalizeH="0" baseline="0" dirty="0" smtClean="0">
+              <a:ln w="0"/>
+              <a:solidFill>
+                <a:schemeClr val="bg1"/>
+              </a:solidFill>
+              <a:effectLst>
+                <a:outerShdw blurRad="38100" dist="19050" dir="2700000" algn="tl" rotWithShape="0">
+                  <a:schemeClr val="dk1">
+                    <a:alpha val="40000"/>
+                  </a:schemeClr>
+                </a:outerShdw>
+              </a:effectLst>
+              <a:latin typeface="Arial" panose="020B0604020202020204" pitchFamily="34" charset="0"/>
+            </a:endParaRPr>
+          </a:p>
+        </p:txBody>
+      </p:sp>
+    </p:spTree>
+    <p:extLst>
+      <p:ext uri="{BB962C8B-B14F-4D97-AF65-F5344CB8AC3E}">
+        <p14:creationId xmlns:p14="http://schemas.microsoft.com/office/powerpoint/2010/main" val="2442348865"/>
+      </p:ext>
+    </p:extLst>
+  </p:cSld>
+  <p:clrMapOvr>
+    <a:masterClrMapping/>
+  </p:clrMapOvr>
+  <mc:AlternateContent xmlns:mc="http://schemas.openxmlformats.org/markup-compatibility/2006" xmlns:p14="http://schemas.microsoft.com/office/powerpoint/2010/main">
+    <mc:Choice Requires="p14">
+      <p:transition spd="med" p14:dur="700">
+        <p:fade/>
+      </p:transition>
+    </mc:Choice>
+    <mc:Fallback xmlns="">
+      <p:transition spd="med">
+        <p:fade/>
+      </p:transition>
+    </mc:Fallback>
+  </mc:AlternateContent>
+  <p:timing>
+    <p:tnLst>
+      <p:par>
+        <p:cTn id="1" dur="indefinite" restart="never" nodeType="tmRoot"/>
+      </p:par>
+    </p:tnLst>
+  </p:timing>
+</p:sld>
+</file>
+
+<file path=ppt/slides/slide14.xml><?xml version="1.0" encoding="utf-8"?>
+<p:sld xmlns:a="http://schemas.openxmlformats.org/drawingml/2006/main" xmlns:r="http://schemas.openxmlformats.org/officeDocument/2006/relationships" xmlns:p="http://schemas.openxmlformats.org/presentationml/2006/main">
+  <p:cSld>
+    <p:spTree>
+      <p:nvGrpSpPr>
+        <p:cNvPr id="1" name=""/>
+        <p:cNvGrpSpPr/>
+        <p:nvPr/>
+      </p:nvGrpSpPr>
+      <p:grpSpPr>
+        <a:xfrm>
+          <a:off x="0" y="0"/>
+          <a:ext cx="0" cy="0"/>
+          <a:chOff x="0" y="0"/>
+          <a:chExt cx="0" cy="0"/>
+        </a:xfrm>
+      </p:grpSpPr>
+      <p:sp>
+        <p:nvSpPr>
+          <p:cNvPr id="5" name="Title 4"/>
+          <p:cNvSpPr>
+            <a:spLocks noGrp="1"/>
+          </p:cNvSpPr>
+          <p:nvPr>
+            <p:ph type="title"/>
+          </p:nvPr>
+        </p:nvSpPr>
+        <p:spPr/>
+        <p:txBody>
+          <a:bodyPr/>
+          <a:lstStyle/>
+          <a:p>
+            <a:r>
+              <a:rPr lang="en-US" dirty="0" smtClean="0"/>
+              <a:t>Testing</a:t>
+            </a:r>
+            <a:endParaRPr lang="en-US" dirty="0"/>
+          </a:p>
+        </p:txBody>
+      </p:sp>
+      <p:sp>
+        <p:nvSpPr>
+          <p:cNvPr id="6" name="Content Placeholder 5"/>
+          <p:cNvSpPr>
+            <a:spLocks noGrp="1"/>
+          </p:cNvSpPr>
+          <p:nvPr>
+            <p:ph idx="1"/>
+          </p:nvPr>
+        </p:nvSpPr>
+        <p:spPr/>
+        <p:txBody>
+          <a:bodyPr/>
+          <a:lstStyle/>
+          <a:p>
+            <a:r>
+              <a:rPr lang="en-US" dirty="0" smtClean="0"/>
+              <a:t>The Movie Lens Data come broken up into a test and base data set</a:t>
+            </a:r>
+          </a:p>
+          <a:p>
+            <a:r>
+              <a:rPr lang="en-US" dirty="0" smtClean="0"/>
+              <a:t>We calculated recommendations for every user using the 100,000 rating set</a:t>
+            </a:r>
+          </a:p>
+          <a:p>
+            <a:r>
+              <a:rPr lang="en-US" dirty="0" smtClean="0"/>
+              <a:t>Calculated mean squared error to determine how well our predictions were.</a:t>
+            </a:r>
+          </a:p>
+        </p:txBody>
+      </p:sp>
+    </p:spTree>
+    <p:extLst>
+      <p:ext uri="{BB962C8B-B14F-4D97-AF65-F5344CB8AC3E}">
+        <p14:creationId xmlns:p14="http://schemas.microsoft.com/office/powerpoint/2010/main" val="2611363983"/>
+      </p:ext>
+    </p:extLst>
+  </p:cSld>
+  <p:clrMapOvr>
+    <a:masterClrMapping/>
+  </p:clrMapOvr>
+  <mc:AlternateContent xmlns:mc="http://schemas.openxmlformats.org/markup-compatibility/2006" xmlns:p14="http://schemas.microsoft.com/office/powerpoint/2010/main">
+    <mc:Choice Requires="p14">
+      <p:transition spd="med" p14:dur="700">
+        <p:fade/>
+      </p:transition>
+    </mc:Choice>
+    <mc:Fallback xmlns="">
+      <p:transition spd="med">
+        <p:fade/>
+      </p:transition>
+    </mc:Fallback>
+  </mc:AlternateContent>
+  <p:timing>
+    <p:tnLst>
+      <p:par>
+        <p:cTn id="1" dur="indefinite" restart="never" nodeType="tmRoot"/>
+      </p:par>
+    </p:tnLst>
+  </p:timing>
+</p:sld>
+</file>
+
+<file path=ppt/slides/slide15.xml><?xml version="1.0" encoding="utf-8"?>
+<p:sld xmlns:a="http://schemas.openxmlformats.org/drawingml/2006/main" xmlns:r="http://schemas.openxmlformats.org/officeDocument/2006/relationships" xmlns:p="http://schemas.openxmlformats.org/presentationml/2006/main">
+  <p:cSld>
+    <p:spTree>
+      <p:nvGrpSpPr>
+        <p:cNvPr id="1" name=""/>
+        <p:cNvGrpSpPr/>
+        <p:nvPr/>
+      </p:nvGrpSpPr>
+      <p:grpSpPr>
+        <a:xfrm>
+          <a:off x="0" y="0"/>
+          <a:ext cx="0" cy="0"/>
+          <a:chOff x="0" y="0"/>
+          <a:chExt cx="0" cy="0"/>
+        </a:xfrm>
+      </p:grpSpPr>
+      <p:sp>
+        <p:nvSpPr>
+          <p:cNvPr id="5" name="Title 4"/>
+          <p:cNvSpPr>
+            <a:spLocks noGrp="1"/>
+          </p:cNvSpPr>
+          <p:nvPr>
+            <p:ph type="title"/>
+          </p:nvPr>
+        </p:nvSpPr>
+        <p:spPr/>
+        <p:txBody>
+          <a:bodyPr/>
+          <a:lstStyle/>
+          <a:p>
+            <a:r>
+              <a:rPr lang="en-US" dirty="0" smtClean="0"/>
+              <a:t>Testing</a:t>
+            </a:r>
+            <a:endParaRPr lang="en-US" dirty="0"/>
+          </a:p>
+        </p:txBody>
+      </p:sp>
+      <p:sp>
+        <p:nvSpPr>
+          <p:cNvPr id="6" name="Content Placeholder 5"/>
+          <p:cNvSpPr>
+            <a:spLocks noGrp="1"/>
+          </p:cNvSpPr>
+          <p:nvPr>
+            <p:ph idx="1"/>
+          </p:nvPr>
+        </p:nvSpPr>
+        <p:spPr/>
+        <p:txBody>
+          <a:bodyPr/>
+          <a:lstStyle/>
+          <a:p>
+            <a:r>
+              <a:rPr lang="en-US" dirty="0" smtClean="0"/>
+              <a:t>This process was done on various data sets u1, u2, u3, u4, </a:t>
+            </a:r>
+            <a:r>
+              <a:rPr lang="en-US" dirty="0" err="1" smtClean="0"/>
+              <a:t>ua</a:t>
+            </a:r>
+            <a:r>
+              <a:rPr lang="en-US" dirty="0" smtClean="0"/>
+              <a:t>, </a:t>
+            </a:r>
+            <a:r>
+              <a:rPr lang="en-US" dirty="0" err="1" smtClean="0"/>
+              <a:t>ub</a:t>
+            </a:r>
+            <a:r>
+              <a:rPr lang="en-US" dirty="0" smtClean="0"/>
+              <a:t>.  Each set was broken up on various conditions created by Grouplens.org</a:t>
+            </a:r>
+          </a:p>
+          <a:p>
+            <a:r>
+              <a:rPr lang="en-US" dirty="0" smtClean="0"/>
+              <a:t>We ran tests and calculated the Mean Squared Error for each dataset, under 3 tests</a:t>
+            </a:r>
+          </a:p>
+          <a:p>
+            <a:pPr lvl="1"/>
+            <a:r>
+              <a:rPr lang="en-US" dirty="0" smtClean="0"/>
+              <a:t>Test 1:  Just the Main SVD done</a:t>
+            </a:r>
+          </a:p>
+          <a:p>
+            <a:pPr lvl="1"/>
+            <a:r>
+              <a:rPr lang="en-US" dirty="0" smtClean="0"/>
+              <a:t>Test 2:  Main SVD + Average Rating per Movie</a:t>
+            </a:r>
+          </a:p>
+          <a:p>
+            <a:pPr lvl="1"/>
+            <a:r>
+              <a:rPr lang="en-US" dirty="0" smtClean="0"/>
+              <a:t>Test 3:  Main SVD + Average Rating per Movie + Exceed Average </a:t>
+            </a:r>
+            <a:r>
+              <a:rPr lang="en-US" dirty="0" smtClean="0"/>
+              <a:t>Rating</a:t>
+            </a:r>
+          </a:p>
+          <a:p>
+            <a:pPr lvl="1"/>
+            <a:r>
+              <a:rPr lang="en-US" dirty="0" smtClean="0"/>
+              <a:t>Our Method: Main SVD + </a:t>
+            </a:r>
+            <a:r>
+              <a:rPr lang="en-US" i="1" dirty="0" smtClean="0"/>
+              <a:t>Weighted </a:t>
+            </a:r>
+            <a:r>
+              <a:rPr lang="en-US" dirty="0" smtClean="0"/>
+              <a:t>Avg. per Movie + Exceed Avg. Rating</a:t>
+            </a:r>
+            <a:endParaRPr lang="en-US" dirty="0" smtClean="0"/>
+          </a:p>
+        </p:txBody>
+      </p:sp>
+    </p:spTree>
+    <p:extLst>
+      <p:ext uri="{BB962C8B-B14F-4D97-AF65-F5344CB8AC3E}">
+        <p14:creationId xmlns:p14="http://schemas.microsoft.com/office/powerpoint/2010/main" val="4171034450"/>
+      </p:ext>
+    </p:extLst>
+  </p:cSld>
+  <p:clrMapOvr>
+    <a:masterClrMapping/>
+  </p:clrMapOvr>
+  <mc:AlternateContent xmlns:mc="http://schemas.openxmlformats.org/markup-compatibility/2006" xmlns:p14="http://schemas.microsoft.com/office/powerpoint/2010/main">
+    <mc:Choice Requires="p14">
+      <p:transition spd="med" p14:dur="700">
+        <p:fade/>
+      </p:transition>
+    </mc:Choice>
+    <mc:Fallback xmlns="">
+      <p:transition spd="med">
+        <p:fade/>
+      </p:transition>
+    </mc:Fallback>
+  </mc:AlternateContent>
+  <p:timing>
+    <p:tnLst>
+      <p:par>
+        <p:cTn id="1" dur="indefinite" restart="never" nodeType="tmRoot"/>
+      </p:par>
+    </p:tnLst>
+  </p:timing>
+</p:sld>
+</file>
+
+<file path=ppt/slides/slide16.xml><?xml version="1.0" encoding="utf-8"?>
+<p:sld xmlns:a="http://schemas.openxmlformats.org/drawingml/2006/main" xmlns:r="http://schemas.openxmlformats.org/officeDocument/2006/relationships" xmlns:p="http://schemas.openxmlformats.org/presentationml/2006/main">
+  <p:cSld>
+    <p:spTree>
+      <p:nvGrpSpPr>
+        <p:cNvPr id="1" name=""/>
+        <p:cNvGrpSpPr/>
+        <p:nvPr/>
+      </p:nvGrpSpPr>
+      <p:grpSpPr>
+        <a:xfrm>
+          <a:off x="0" y="0"/>
+          <a:ext cx="0" cy="0"/>
+          <a:chOff x="0" y="0"/>
+          <a:chExt cx="0" cy="0"/>
+        </a:xfrm>
+      </p:grpSpPr>
+      <p:sp>
+        <p:nvSpPr>
+          <p:cNvPr id="5" name="Title 4"/>
+          <p:cNvSpPr>
+            <a:spLocks noGrp="1"/>
+          </p:cNvSpPr>
+          <p:nvPr>
+            <p:ph type="title"/>
+          </p:nvPr>
+        </p:nvSpPr>
+        <p:spPr/>
+        <p:txBody>
+          <a:bodyPr/>
+          <a:lstStyle/>
+          <a:p>
+            <a:r>
+              <a:rPr lang="en-US" dirty="0" smtClean="0"/>
+              <a:t>Testing Results</a:t>
+            </a:r>
+            <a:endParaRPr lang="en-US" dirty="0"/>
+          </a:p>
+        </p:txBody>
+      </p:sp>
+      <p:sp>
+        <p:nvSpPr>
+          <p:cNvPr id="2" name="Text Placeholder 1"/>
+          <p:cNvSpPr>
+            <a:spLocks noGrp="1"/>
+          </p:cNvSpPr>
+          <p:nvPr>
+            <p:ph type="body" sz="half" idx="2"/>
+          </p:nvPr>
+        </p:nvSpPr>
+        <p:spPr/>
+        <p:txBody>
+          <a:bodyPr/>
+          <a:lstStyle/>
+          <a:p>
+            <a:r>
+              <a:rPr lang="en-US" dirty="0" smtClean="0"/>
+              <a:t>Our method, test 3 had the lowest Mean Squared Error Average.  Our predictions were off by roughly 1 star for each movie.  </a:t>
+            </a:r>
+          </a:p>
+          <a:p>
+            <a:r>
+              <a:rPr lang="en-US" dirty="0" smtClean="0"/>
+              <a:t>These results are not the most promising but do provide </a:t>
+            </a:r>
+            <a:r>
+              <a:rPr lang="en-US" dirty="0" smtClean="0"/>
+              <a:t>a decent recommendation for movies.</a:t>
+            </a:r>
+            <a:endParaRPr lang="en-US" dirty="0"/>
+          </a:p>
+        </p:txBody>
+      </p:sp>
+      <p:graphicFrame>
+        <p:nvGraphicFramePr>
+          <p:cNvPr id="4" name="Content Placeholder 3"/>
+          <p:cNvGraphicFramePr>
+            <a:graphicFrameLocks noGrp="1"/>
+          </p:cNvGraphicFramePr>
+          <p:nvPr>
+            <p:ph idx="1"/>
+            <p:extLst>
+              <p:ext uri="{D42A27DB-BD31-4B8C-83A1-F6EECF244321}">
+                <p14:modId xmlns:p14="http://schemas.microsoft.com/office/powerpoint/2010/main" val="1310707669"/>
+              </p:ext>
+            </p:extLst>
+          </p:nvPr>
+        </p:nvGraphicFramePr>
+        <p:xfrm>
+          <a:off x="508001" y="1066800"/>
+          <a:ext cx="6729413" cy="4191000"/>
+        </p:xfrm>
+        <a:graphic>
+          <a:graphicData uri="http://schemas.openxmlformats.org/drawingml/2006/table">
+            <a:tbl>
+              <a:tblPr>
+                <a:tableStyleId>{D03447BB-5D67-496B-8E87-E561075AD55C}</a:tableStyleId>
+              </a:tblPr>
+              <a:tblGrid>
+                <a:gridCol w="1889767"/>
+                <a:gridCol w="691378"/>
+                <a:gridCol w="691378"/>
+                <a:gridCol w="691378"/>
+                <a:gridCol w="691378"/>
+                <a:gridCol w="691378"/>
+                <a:gridCol w="691378"/>
+                <a:gridCol w="691378"/>
+              </a:tblGrid>
+              <a:tr h="838200">
+                <a:tc>
+                  <a:txBody>
+                    <a:bodyPr/>
+                    <a:lstStyle/>
+                    <a:p>
+                      <a:pPr algn="l" fontAlgn="b"/>
+                      <a:r>
+                        <a:rPr lang="en-US" sz="1600" u="none" strike="noStrike" dirty="0">
+                          <a:effectLst/>
+                        </a:rPr>
+                        <a:t>SVD on</a:t>
+                      </a:r>
+                      <a:endParaRPr lang="en-US" sz="1600" b="0" i="0" u="none" strike="noStrike" dirty="0">
+                        <a:solidFill>
+                          <a:srgbClr val="000000"/>
+                        </a:solidFill>
+                        <a:effectLst/>
+                        <a:latin typeface="Times New Roman" panose="02020603050405020304" pitchFamily="18" charset="0"/>
+                      </a:endParaRPr>
+                    </a:p>
+                  </a:txBody>
+                  <a:tcPr marL="6048" marR="6048" marT="6048" marB="0" anchor="b">
+                    <a:lnL w="12700" cap="flat" cmpd="sng" algn="ctr">
+                      <a:solidFill>
+                        <a:schemeClr val="tx1"/>
+                      </a:solidFill>
+                      <a:prstDash val="solid"/>
+                      <a:round/>
+                      <a:headEnd type="none" w="med" len="med"/>
+                      <a:tailEnd type="none" w="med" len="med"/>
+                    </a:lnL>
+                    <a:lnR w="12700" cap="flat" cmpd="sng" algn="ctr">
+                      <a:solidFill>
+                        <a:schemeClr val="tx1"/>
+                      </a:solidFill>
+                      <a:prstDash val="solid"/>
+                      <a:round/>
+                      <a:headEnd type="none" w="med" len="med"/>
+                      <a:tailEnd type="none" w="med" len="med"/>
+                    </a:lnR>
+                    <a:lnT w="12700" cap="flat" cmpd="sng" algn="ctr">
+                      <a:solidFill>
+                        <a:schemeClr val="tx1"/>
+                      </a:solidFill>
+                      <a:prstDash val="solid"/>
+                      <a:round/>
+                      <a:headEnd type="none" w="med" len="med"/>
+                      <a:tailEnd type="none" w="med" len="med"/>
+                    </a:lnT>
+                    <a:lnB w="12700" cap="flat" cmpd="sng" algn="ctr">
+                      <a:solidFill>
+                        <a:schemeClr val="tx1"/>
+                      </a:solidFill>
+                      <a:prstDash val="solid"/>
+                      <a:round/>
+                      <a:headEnd type="none" w="med" len="med"/>
+                      <a:tailEnd type="none" w="med" len="med"/>
+                    </a:lnB>
+                    <a:solidFill>
+                      <a:schemeClr val="tx2"/>
+                    </a:solidFill>
+                  </a:tcPr>
+                </a:tc>
+                <a:tc>
+                  <a:txBody>
+                    <a:bodyPr/>
+                    <a:lstStyle/>
+                    <a:p>
+                      <a:pPr algn="l" fontAlgn="b"/>
+                      <a:r>
+                        <a:rPr lang="en-US" sz="1600" u="none" strike="noStrike" dirty="0">
+                          <a:effectLst/>
+                        </a:rPr>
+                        <a:t>u1</a:t>
+                      </a:r>
+                      <a:endParaRPr lang="en-US" sz="1600" b="0" i="0" u="none" strike="noStrike" dirty="0">
+                        <a:solidFill>
+                          <a:srgbClr val="000000"/>
+                        </a:solidFill>
+                        <a:effectLst/>
+                        <a:latin typeface="Times New Roman" panose="02020603050405020304" pitchFamily="18" charset="0"/>
+                      </a:endParaRPr>
+                    </a:p>
+                  </a:txBody>
+                  <a:tcPr marL="6048" marR="6048" marT="6048" marB="0" anchor="b">
+                    <a:lnL w="12700" cap="flat" cmpd="sng" algn="ctr">
+                      <a:solidFill>
+                        <a:schemeClr val="tx1"/>
+                      </a:solidFill>
+                      <a:prstDash val="solid"/>
+                      <a:round/>
+                      <a:headEnd type="none" w="med" len="med"/>
+                      <a:tailEnd type="none" w="med" len="med"/>
+                    </a:lnL>
+                    <a:lnR w="12700" cap="flat" cmpd="sng" algn="ctr">
+                      <a:solidFill>
+                        <a:schemeClr val="tx1"/>
+                      </a:solidFill>
+                      <a:prstDash val="solid"/>
+                      <a:round/>
+                      <a:headEnd type="none" w="med" len="med"/>
+                      <a:tailEnd type="none" w="med" len="med"/>
+                    </a:lnR>
+                    <a:lnT w="12700" cap="flat" cmpd="sng" algn="ctr">
+                      <a:solidFill>
+                        <a:schemeClr val="tx1"/>
+                      </a:solidFill>
+                      <a:prstDash val="solid"/>
+                      <a:round/>
+                      <a:headEnd type="none" w="med" len="med"/>
+                      <a:tailEnd type="none" w="med" len="med"/>
+                    </a:lnT>
+                    <a:lnB w="12700" cap="flat" cmpd="sng" algn="ctr">
+                      <a:solidFill>
+                        <a:schemeClr val="tx1"/>
+                      </a:solidFill>
+                      <a:prstDash val="solid"/>
+                      <a:round/>
+                      <a:headEnd type="none" w="med" len="med"/>
+                      <a:tailEnd type="none" w="med" len="med"/>
+                    </a:lnB>
+                    <a:solidFill>
+                      <a:schemeClr val="tx2"/>
+                    </a:solidFill>
+                  </a:tcPr>
+                </a:tc>
+                <a:tc>
+                  <a:txBody>
+                    <a:bodyPr/>
+                    <a:lstStyle/>
+                    <a:p>
+                      <a:pPr algn="l" fontAlgn="b"/>
+                      <a:r>
+                        <a:rPr lang="en-US" sz="1600" u="none" strike="noStrike" dirty="0">
+                          <a:effectLst/>
+                        </a:rPr>
+                        <a:t>u2</a:t>
+                      </a:r>
+                      <a:endParaRPr lang="en-US" sz="1600" b="0" i="0" u="none" strike="noStrike" dirty="0">
+                        <a:solidFill>
+                          <a:srgbClr val="000000"/>
+                        </a:solidFill>
+                        <a:effectLst/>
+                        <a:latin typeface="Times New Roman" panose="02020603050405020304" pitchFamily="18" charset="0"/>
+                      </a:endParaRPr>
+                    </a:p>
+                  </a:txBody>
+                  <a:tcPr marL="6048" marR="6048" marT="6048" marB="0" anchor="b">
+                    <a:lnL w="12700" cap="flat" cmpd="sng" algn="ctr">
+                      <a:solidFill>
+                        <a:schemeClr val="tx1"/>
+                      </a:solidFill>
+                      <a:prstDash val="solid"/>
+                      <a:round/>
+                      <a:headEnd type="none" w="med" len="med"/>
+                      <a:tailEnd type="none" w="med" len="med"/>
+                    </a:lnL>
+                    <a:lnR w="12700" cap="flat" cmpd="sng" algn="ctr">
+                      <a:solidFill>
+                        <a:schemeClr val="tx1"/>
+                      </a:solidFill>
+                      <a:prstDash val="solid"/>
+                      <a:round/>
+                      <a:headEnd type="none" w="med" len="med"/>
+                      <a:tailEnd type="none" w="med" len="med"/>
+                    </a:lnR>
+                    <a:lnT w="12700" cap="flat" cmpd="sng" algn="ctr">
+                      <a:solidFill>
+                        <a:schemeClr val="tx1"/>
+                      </a:solidFill>
+                      <a:prstDash val="solid"/>
+                      <a:round/>
+                      <a:headEnd type="none" w="med" len="med"/>
+                      <a:tailEnd type="none" w="med" len="med"/>
+                    </a:lnT>
+                    <a:lnB w="12700" cap="flat" cmpd="sng" algn="ctr">
+                      <a:solidFill>
+                        <a:schemeClr val="tx1"/>
+                      </a:solidFill>
+                      <a:prstDash val="solid"/>
+                      <a:round/>
+                      <a:headEnd type="none" w="med" len="med"/>
+                      <a:tailEnd type="none" w="med" len="med"/>
+                    </a:lnB>
+                    <a:solidFill>
+                      <a:schemeClr val="tx2"/>
+                    </a:solidFill>
+                  </a:tcPr>
+                </a:tc>
+                <a:tc>
+                  <a:txBody>
+                    <a:bodyPr/>
+                    <a:lstStyle/>
+                    <a:p>
+                      <a:pPr algn="l" fontAlgn="b"/>
+                      <a:r>
+                        <a:rPr lang="en-US" sz="1600" u="none" strike="noStrike" dirty="0">
+                          <a:effectLst/>
+                        </a:rPr>
+                        <a:t>u3</a:t>
+                      </a:r>
+                      <a:endParaRPr lang="en-US" sz="1600" b="0" i="0" u="none" strike="noStrike" dirty="0">
+                        <a:solidFill>
+                          <a:srgbClr val="000000"/>
+                        </a:solidFill>
+                        <a:effectLst/>
+                        <a:latin typeface="Times New Roman" panose="02020603050405020304" pitchFamily="18" charset="0"/>
+                      </a:endParaRPr>
+                    </a:p>
+                  </a:txBody>
+                  <a:tcPr marL="6048" marR="6048" marT="6048" marB="0" anchor="b">
+                    <a:lnL w="12700" cap="flat" cmpd="sng" algn="ctr">
+                      <a:solidFill>
+                        <a:schemeClr val="tx1"/>
+                      </a:solidFill>
+                      <a:prstDash val="solid"/>
+                      <a:round/>
+                      <a:headEnd type="none" w="med" len="med"/>
+                      <a:tailEnd type="none" w="med" len="med"/>
+                    </a:lnL>
+                    <a:lnR w="12700" cap="flat" cmpd="sng" algn="ctr">
+                      <a:solidFill>
+                        <a:schemeClr val="tx1"/>
+                      </a:solidFill>
+                      <a:prstDash val="solid"/>
+                      <a:round/>
+                      <a:headEnd type="none" w="med" len="med"/>
+                      <a:tailEnd type="none" w="med" len="med"/>
+                    </a:lnR>
+                    <a:lnT w="12700" cap="flat" cmpd="sng" algn="ctr">
+                      <a:solidFill>
+                        <a:schemeClr val="tx1"/>
+                      </a:solidFill>
+                      <a:prstDash val="solid"/>
+                      <a:round/>
+                      <a:headEnd type="none" w="med" len="med"/>
+                      <a:tailEnd type="none" w="med" len="med"/>
+                    </a:lnT>
+                    <a:lnB w="12700" cap="flat" cmpd="sng" algn="ctr">
+                      <a:solidFill>
+                        <a:schemeClr val="tx1"/>
+                      </a:solidFill>
+                      <a:prstDash val="solid"/>
+                      <a:round/>
+                      <a:headEnd type="none" w="med" len="med"/>
+                      <a:tailEnd type="none" w="med" len="med"/>
+                    </a:lnB>
+                    <a:solidFill>
+                      <a:schemeClr val="tx2"/>
+                    </a:solidFill>
+                  </a:tcPr>
+                </a:tc>
+                <a:tc>
+                  <a:txBody>
+                    <a:bodyPr/>
+                    <a:lstStyle/>
+                    <a:p>
+                      <a:pPr algn="l" fontAlgn="b"/>
+                      <a:r>
+                        <a:rPr lang="en-US" sz="1600" u="none" strike="noStrike" dirty="0">
+                          <a:effectLst/>
+                        </a:rPr>
+                        <a:t>u4</a:t>
+                      </a:r>
+                      <a:endParaRPr lang="en-US" sz="1600" b="0" i="0" u="none" strike="noStrike" dirty="0">
+                        <a:solidFill>
+                          <a:srgbClr val="000000"/>
+                        </a:solidFill>
+                        <a:effectLst/>
+                        <a:latin typeface="Times New Roman" panose="02020603050405020304" pitchFamily="18" charset="0"/>
+                      </a:endParaRPr>
+                    </a:p>
+                  </a:txBody>
+                  <a:tcPr marL="6048" marR="6048" marT="6048" marB="0" anchor="b">
+                    <a:lnL w="12700" cap="flat" cmpd="sng" algn="ctr">
+                      <a:solidFill>
+                        <a:schemeClr val="tx1"/>
+                      </a:solidFill>
+                      <a:prstDash val="solid"/>
+                      <a:round/>
+                      <a:headEnd type="none" w="med" len="med"/>
+                      <a:tailEnd type="none" w="med" len="med"/>
+                    </a:lnL>
+                    <a:lnR w="12700" cap="flat" cmpd="sng" algn="ctr">
+                      <a:solidFill>
+                        <a:schemeClr val="tx1"/>
+                      </a:solidFill>
+                      <a:prstDash val="solid"/>
+                      <a:round/>
+                      <a:headEnd type="none" w="med" len="med"/>
+                      <a:tailEnd type="none" w="med" len="med"/>
+                    </a:lnR>
+                    <a:lnT w="12700" cap="flat" cmpd="sng" algn="ctr">
+                      <a:solidFill>
+                        <a:schemeClr val="tx1"/>
+                      </a:solidFill>
+                      <a:prstDash val="solid"/>
+                      <a:round/>
+                      <a:headEnd type="none" w="med" len="med"/>
+                      <a:tailEnd type="none" w="med" len="med"/>
+                    </a:lnT>
+                    <a:lnB w="12700" cap="flat" cmpd="sng" algn="ctr">
+                      <a:solidFill>
+                        <a:schemeClr val="tx1"/>
+                      </a:solidFill>
+                      <a:prstDash val="solid"/>
+                      <a:round/>
+                      <a:headEnd type="none" w="med" len="med"/>
+                      <a:tailEnd type="none" w="med" len="med"/>
+                    </a:lnB>
+                    <a:solidFill>
+                      <a:schemeClr val="tx2"/>
+                    </a:solidFill>
+                  </a:tcPr>
+                </a:tc>
+                <a:tc>
+                  <a:txBody>
+                    <a:bodyPr/>
+                    <a:lstStyle/>
+                    <a:p>
+                      <a:pPr algn="l" fontAlgn="b"/>
+                      <a:r>
+                        <a:rPr lang="en-US" sz="1600" u="none" strike="noStrike" dirty="0" err="1">
+                          <a:effectLst/>
+                        </a:rPr>
+                        <a:t>ua</a:t>
+                      </a:r>
+                      <a:endParaRPr lang="en-US" sz="1600" b="0" i="0" u="none" strike="noStrike" dirty="0">
+                        <a:solidFill>
+                          <a:srgbClr val="000000"/>
+                        </a:solidFill>
+                        <a:effectLst/>
+                        <a:latin typeface="Times New Roman" panose="02020603050405020304" pitchFamily="18" charset="0"/>
+                      </a:endParaRPr>
+                    </a:p>
+                  </a:txBody>
+                  <a:tcPr marL="6048" marR="6048" marT="6048" marB="0" anchor="b">
+                    <a:lnL w="12700" cap="flat" cmpd="sng" algn="ctr">
+                      <a:solidFill>
+                        <a:schemeClr val="tx1"/>
+                      </a:solidFill>
+                      <a:prstDash val="solid"/>
+                      <a:round/>
+                      <a:headEnd type="none" w="med" len="med"/>
+                      <a:tailEnd type="none" w="med" len="med"/>
+                    </a:lnL>
+                    <a:lnR w="12700" cap="flat" cmpd="sng" algn="ctr">
+                      <a:solidFill>
+                        <a:schemeClr val="tx1"/>
+                      </a:solidFill>
+                      <a:prstDash val="solid"/>
+                      <a:round/>
+                      <a:headEnd type="none" w="med" len="med"/>
+                      <a:tailEnd type="none" w="med" len="med"/>
+                    </a:lnR>
+                    <a:lnT w="12700" cap="flat" cmpd="sng" algn="ctr">
+                      <a:solidFill>
+                        <a:schemeClr val="tx1"/>
+                      </a:solidFill>
+                      <a:prstDash val="solid"/>
+                      <a:round/>
+                      <a:headEnd type="none" w="med" len="med"/>
+                      <a:tailEnd type="none" w="med" len="med"/>
+                    </a:lnT>
+                    <a:lnB w="12700" cap="flat" cmpd="sng" algn="ctr">
+                      <a:solidFill>
+                        <a:schemeClr val="tx1"/>
+                      </a:solidFill>
+                      <a:prstDash val="solid"/>
+                      <a:round/>
+                      <a:headEnd type="none" w="med" len="med"/>
+                      <a:tailEnd type="none" w="med" len="med"/>
+                    </a:lnB>
+                    <a:solidFill>
+                      <a:schemeClr val="tx2"/>
+                    </a:solidFill>
+                  </a:tcPr>
+                </a:tc>
+                <a:tc>
+                  <a:txBody>
+                    <a:bodyPr/>
+                    <a:lstStyle/>
+                    <a:p>
+                      <a:pPr algn="l" fontAlgn="b"/>
+                      <a:r>
+                        <a:rPr lang="en-US" sz="1600" u="none" strike="noStrike" dirty="0" err="1">
+                          <a:effectLst/>
+                        </a:rPr>
+                        <a:t>ub</a:t>
+                      </a:r>
+                      <a:endParaRPr lang="en-US" sz="1600" b="0" i="0" u="none" strike="noStrike" dirty="0">
+                        <a:solidFill>
+                          <a:srgbClr val="000000"/>
+                        </a:solidFill>
+                        <a:effectLst/>
+                        <a:latin typeface="Times New Roman" panose="02020603050405020304" pitchFamily="18" charset="0"/>
+                      </a:endParaRPr>
+                    </a:p>
+                  </a:txBody>
+                  <a:tcPr marL="6048" marR="6048" marT="6048" marB="0" anchor="b">
+                    <a:lnL w="12700" cap="flat" cmpd="sng" algn="ctr">
+                      <a:solidFill>
+                        <a:schemeClr val="tx1"/>
+                      </a:solidFill>
+                      <a:prstDash val="solid"/>
+                      <a:round/>
+                      <a:headEnd type="none" w="med" len="med"/>
+                      <a:tailEnd type="none" w="med" len="med"/>
+                    </a:lnL>
+                    <a:lnR w="12700" cap="flat" cmpd="sng" algn="ctr">
+                      <a:solidFill>
+                        <a:schemeClr val="tx1"/>
+                      </a:solidFill>
+                      <a:prstDash val="solid"/>
+                      <a:round/>
+                      <a:headEnd type="none" w="med" len="med"/>
+                      <a:tailEnd type="none" w="med" len="med"/>
+                    </a:lnR>
+                    <a:lnT w="12700" cap="flat" cmpd="sng" algn="ctr">
+                      <a:solidFill>
+                        <a:schemeClr val="tx1"/>
+                      </a:solidFill>
+                      <a:prstDash val="solid"/>
+                      <a:round/>
+                      <a:headEnd type="none" w="med" len="med"/>
+                      <a:tailEnd type="none" w="med" len="med"/>
+                    </a:lnT>
+                    <a:lnB w="12700" cap="flat" cmpd="sng" algn="ctr">
+                      <a:solidFill>
+                        <a:schemeClr val="tx1"/>
+                      </a:solidFill>
+                      <a:prstDash val="solid"/>
+                      <a:round/>
+                      <a:headEnd type="none" w="med" len="med"/>
+                      <a:tailEnd type="none" w="med" len="med"/>
+                    </a:lnB>
+                    <a:solidFill>
+                      <a:schemeClr val="tx2"/>
+                    </a:solidFill>
+                  </a:tcPr>
+                </a:tc>
+                <a:tc>
+                  <a:txBody>
+                    <a:bodyPr/>
+                    <a:lstStyle/>
+                    <a:p>
+                      <a:pPr algn="l" fontAlgn="b"/>
+                      <a:r>
+                        <a:rPr lang="en-US" sz="1400" b="0" i="0" u="none" strike="noStrike" dirty="0">
+                          <a:solidFill>
+                            <a:srgbClr val="000000"/>
+                          </a:solidFill>
+                          <a:effectLst/>
+                          <a:latin typeface="Times New Roman" panose="02020603050405020304" pitchFamily="18" charset="0"/>
+                        </a:rPr>
+                        <a:t>Average</a:t>
+                      </a:r>
+                    </a:p>
+                  </a:txBody>
+                  <a:tcPr marL="7620" marR="7620" marT="7620" marB="0" anchor="b">
+                    <a:lnL w="12700" cap="flat" cmpd="sng" algn="ctr">
+                      <a:solidFill>
+                        <a:schemeClr val="tx1"/>
+                      </a:solidFill>
+                      <a:prstDash val="solid"/>
+                      <a:round/>
+                      <a:headEnd type="none" w="med" len="med"/>
+                      <a:tailEnd type="none" w="med" len="med"/>
+                    </a:lnL>
+                    <a:lnR w="12700" cap="flat" cmpd="sng" algn="ctr">
+                      <a:solidFill>
+                        <a:schemeClr val="tx1"/>
+                      </a:solidFill>
+                      <a:prstDash val="solid"/>
+                      <a:round/>
+                      <a:headEnd type="none" w="med" len="med"/>
+                      <a:tailEnd type="none" w="med" len="med"/>
+                    </a:lnR>
+                    <a:lnT w="12700" cap="flat" cmpd="sng" algn="ctr">
+                      <a:solidFill>
+                        <a:schemeClr val="tx1"/>
+                      </a:solidFill>
+                      <a:prstDash val="solid"/>
+                      <a:round/>
+                      <a:headEnd type="none" w="med" len="med"/>
+                      <a:tailEnd type="none" w="med" len="med"/>
+                    </a:lnT>
+                    <a:lnB w="12700" cap="flat" cmpd="sng" algn="ctr">
+                      <a:solidFill>
+                        <a:schemeClr val="tx1"/>
+                      </a:solidFill>
+                      <a:prstDash val="solid"/>
+                      <a:round/>
+                      <a:headEnd type="none" w="med" len="med"/>
+                      <a:tailEnd type="none" w="med" len="med"/>
+                    </a:lnB>
+                    <a:solidFill>
+                      <a:schemeClr val="tx2"/>
+                    </a:solidFill>
+                  </a:tcPr>
+                </a:tc>
+              </a:tr>
+              <a:tr h="838200">
+                <a:tc>
+                  <a:txBody>
+                    <a:bodyPr/>
+                    <a:lstStyle/>
+                    <a:p>
+                      <a:pPr algn="l" fontAlgn="b"/>
+                      <a:r>
+                        <a:rPr lang="en-US" sz="1600" u="none" strike="noStrike" dirty="0">
+                          <a:effectLst/>
+                        </a:rPr>
+                        <a:t>Original matrix</a:t>
+                      </a:r>
+                      <a:endParaRPr lang="en-US" sz="1600" b="0" i="0" u="none" strike="noStrike" dirty="0">
+                        <a:solidFill>
+                          <a:srgbClr val="000000"/>
+                        </a:solidFill>
+                        <a:effectLst/>
+                        <a:latin typeface="Times New Roman" panose="02020603050405020304" pitchFamily="18" charset="0"/>
+                      </a:endParaRPr>
+                    </a:p>
+                  </a:txBody>
+                  <a:tcPr marL="6048" marR="6048" marT="6048" marB="0" anchor="b">
+                    <a:lnL w="12700" cap="flat" cmpd="sng" algn="ctr">
+                      <a:solidFill>
+                        <a:schemeClr val="tx1"/>
+                      </a:solidFill>
+                      <a:prstDash val="solid"/>
+                      <a:round/>
+                      <a:headEnd type="none" w="med" len="med"/>
+                      <a:tailEnd type="none" w="med" len="med"/>
+                    </a:lnL>
+                    <a:lnR w="12700" cap="flat" cmpd="sng" algn="ctr">
+                      <a:solidFill>
+                        <a:schemeClr val="tx1"/>
+                      </a:solidFill>
+                      <a:prstDash val="solid"/>
+                      <a:round/>
+                      <a:headEnd type="none" w="med" len="med"/>
+                      <a:tailEnd type="none" w="med" len="med"/>
+                    </a:lnR>
+                    <a:lnT w="12700" cap="flat" cmpd="sng" algn="ctr">
+                      <a:solidFill>
+                        <a:schemeClr val="tx1"/>
+                      </a:solidFill>
+                      <a:prstDash val="solid"/>
+                      <a:round/>
+                      <a:headEnd type="none" w="med" len="med"/>
+                      <a:tailEnd type="none" w="med" len="med"/>
+                    </a:lnT>
+                    <a:lnB w="12700" cap="flat" cmpd="sng" algn="ctr">
+                      <a:solidFill>
+                        <a:schemeClr val="tx1"/>
+                      </a:solidFill>
+                      <a:prstDash val="solid"/>
+                      <a:round/>
+                      <a:headEnd type="none" w="med" len="med"/>
+                      <a:tailEnd type="none" w="med" len="med"/>
+                    </a:lnB>
+                    <a:solidFill>
+                      <a:schemeClr val="tx2"/>
+                    </a:solidFill>
+                  </a:tcPr>
+                </a:tc>
+                <a:tc>
+                  <a:txBody>
+                    <a:bodyPr/>
+                    <a:lstStyle/>
+                    <a:p>
+                      <a:pPr algn="r" fontAlgn="b"/>
+                      <a:r>
+                        <a:rPr lang="en-US" sz="1600" u="none" strike="noStrike">
+                          <a:effectLst/>
+                        </a:rPr>
+                        <a:t>2.87659289</a:t>
+                      </a:r>
+                      <a:endParaRPr lang="en-US" sz="1600" b="0" i="0" u="none" strike="noStrike">
+                        <a:solidFill>
+                          <a:srgbClr val="000000"/>
+                        </a:solidFill>
+                        <a:effectLst/>
+                        <a:latin typeface="Times New Roman" panose="02020603050405020304" pitchFamily="18" charset="0"/>
+                      </a:endParaRPr>
+                    </a:p>
+                  </a:txBody>
+                  <a:tcPr marL="6048" marR="6048" marT="6048" marB="0" anchor="b">
+                    <a:lnL w="12700" cap="flat" cmpd="sng" algn="ctr">
+                      <a:solidFill>
+                        <a:schemeClr val="tx1"/>
+                      </a:solidFill>
+                      <a:prstDash val="solid"/>
+                      <a:round/>
+                      <a:headEnd type="none" w="med" len="med"/>
+                      <a:tailEnd type="none" w="med" len="med"/>
+                    </a:lnL>
+                    <a:lnR w="12700" cap="flat" cmpd="sng" algn="ctr">
+                      <a:solidFill>
+                        <a:schemeClr val="tx1"/>
+                      </a:solidFill>
+                      <a:prstDash val="solid"/>
+                      <a:round/>
+                      <a:headEnd type="none" w="med" len="med"/>
+                      <a:tailEnd type="none" w="med" len="med"/>
+                    </a:lnR>
+                    <a:lnT w="12700" cap="flat" cmpd="sng" algn="ctr">
+                      <a:solidFill>
+                        <a:schemeClr val="tx1"/>
+                      </a:solidFill>
+                      <a:prstDash val="solid"/>
+                      <a:round/>
+                      <a:headEnd type="none" w="med" len="med"/>
+                      <a:tailEnd type="none" w="med" len="med"/>
+                    </a:lnT>
+                    <a:lnB w="12700" cap="flat" cmpd="sng" algn="ctr">
+                      <a:solidFill>
+                        <a:schemeClr val="tx1"/>
+                      </a:solidFill>
+                      <a:prstDash val="solid"/>
+                      <a:round/>
+                      <a:headEnd type="none" w="med" len="med"/>
+                      <a:tailEnd type="none" w="med" len="med"/>
+                    </a:lnB>
+                  </a:tcPr>
+                </a:tc>
+                <a:tc>
+                  <a:txBody>
+                    <a:bodyPr/>
+                    <a:lstStyle/>
+                    <a:p>
+                      <a:pPr algn="r" fontAlgn="b"/>
+                      <a:r>
+                        <a:rPr lang="en-US" sz="1600" u="none" strike="noStrike">
+                          <a:effectLst/>
+                        </a:rPr>
+                        <a:t>2.76577005</a:t>
+                      </a:r>
+                      <a:endParaRPr lang="en-US" sz="1600" b="0" i="0" u="none" strike="noStrike">
+                        <a:solidFill>
+                          <a:srgbClr val="000000"/>
+                        </a:solidFill>
+                        <a:effectLst/>
+                        <a:latin typeface="Times New Roman" panose="02020603050405020304" pitchFamily="18" charset="0"/>
+                      </a:endParaRPr>
+                    </a:p>
+                  </a:txBody>
+                  <a:tcPr marL="6048" marR="6048" marT="6048" marB="0" anchor="b">
+                    <a:lnL w="12700" cap="flat" cmpd="sng" algn="ctr">
+                      <a:solidFill>
+                        <a:schemeClr val="tx1"/>
+                      </a:solidFill>
+                      <a:prstDash val="solid"/>
+                      <a:round/>
+                      <a:headEnd type="none" w="med" len="med"/>
+                      <a:tailEnd type="none" w="med" len="med"/>
+                    </a:lnL>
+                    <a:lnR w="12700" cap="flat" cmpd="sng" algn="ctr">
+                      <a:solidFill>
+                        <a:schemeClr val="tx1"/>
+                      </a:solidFill>
+                      <a:prstDash val="solid"/>
+                      <a:round/>
+                      <a:headEnd type="none" w="med" len="med"/>
+                      <a:tailEnd type="none" w="med" len="med"/>
+                    </a:lnR>
+                    <a:lnT w="12700" cap="flat" cmpd="sng" algn="ctr">
+                      <a:solidFill>
+                        <a:schemeClr val="tx1"/>
+                      </a:solidFill>
+                      <a:prstDash val="solid"/>
+                      <a:round/>
+                      <a:headEnd type="none" w="med" len="med"/>
+                      <a:tailEnd type="none" w="med" len="med"/>
+                    </a:lnT>
+                    <a:lnB w="12700" cap="flat" cmpd="sng" algn="ctr">
+                      <a:solidFill>
+                        <a:schemeClr val="tx1"/>
+                      </a:solidFill>
+                      <a:prstDash val="solid"/>
+                      <a:round/>
+                      <a:headEnd type="none" w="med" len="med"/>
+                      <a:tailEnd type="none" w="med" len="med"/>
+                    </a:lnB>
+                  </a:tcPr>
+                </a:tc>
+                <a:tc>
+                  <a:txBody>
+                    <a:bodyPr/>
+                    <a:lstStyle/>
+                    <a:p>
+                      <a:pPr algn="r" fontAlgn="b"/>
+                      <a:r>
+                        <a:rPr lang="en-US" sz="1600" u="none" strike="noStrike">
+                          <a:effectLst/>
+                        </a:rPr>
+                        <a:t>2.69006711</a:t>
+                      </a:r>
+                      <a:endParaRPr lang="en-US" sz="1600" b="0" i="0" u="none" strike="noStrike">
+                        <a:solidFill>
+                          <a:srgbClr val="000000"/>
+                        </a:solidFill>
+                        <a:effectLst/>
+                        <a:latin typeface="Times New Roman" panose="02020603050405020304" pitchFamily="18" charset="0"/>
+                      </a:endParaRPr>
+                    </a:p>
+                  </a:txBody>
+                  <a:tcPr marL="6048" marR="6048" marT="6048" marB="0" anchor="b">
+                    <a:lnL w="12700" cap="flat" cmpd="sng" algn="ctr">
+                      <a:solidFill>
+                        <a:schemeClr val="tx1"/>
+                      </a:solidFill>
+                      <a:prstDash val="solid"/>
+                      <a:round/>
+                      <a:headEnd type="none" w="med" len="med"/>
+                      <a:tailEnd type="none" w="med" len="med"/>
+                    </a:lnL>
+                    <a:lnR w="12700" cap="flat" cmpd="sng" algn="ctr">
+                      <a:solidFill>
+                        <a:schemeClr val="tx1"/>
+                      </a:solidFill>
+                      <a:prstDash val="solid"/>
+                      <a:round/>
+                      <a:headEnd type="none" w="med" len="med"/>
+                      <a:tailEnd type="none" w="med" len="med"/>
+                    </a:lnR>
+                    <a:lnT w="12700" cap="flat" cmpd="sng" algn="ctr">
+                      <a:solidFill>
+                        <a:schemeClr val="tx1"/>
+                      </a:solidFill>
+                      <a:prstDash val="solid"/>
+                      <a:round/>
+                      <a:headEnd type="none" w="med" len="med"/>
+                      <a:tailEnd type="none" w="med" len="med"/>
+                    </a:lnT>
+                    <a:lnB w="12700" cap="flat" cmpd="sng" algn="ctr">
+                      <a:solidFill>
+                        <a:schemeClr val="tx1"/>
+                      </a:solidFill>
+                      <a:prstDash val="solid"/>
+                      <a:round/>
+                      <a:headEnd type="none" w="med" len="med"/>
+                      <a:tailEnd type="none" w="med" len="med"/>
+                    </a:lnB>
+                  </a:tcPr>
+                </a:tc>
+                <a:tc>
+                  <a:txBody>
+                    <a:bodyPr/>
+                    <a:lstStyle/>
+                    <a:p>
+                      <a:pPr algn="r" fontAlgn="b"/>
+                      <a:r>
+                        <a:rPr lang="en-US" sz="1600" u="none" strike="noStrike">
+                          <a:effectLst/>
+                        </a:rPr>
+                        <a:t>2.71137178</a:t>
+                      </a:r>
+                      <a:endParaRPr lang="en-US" sz="1600" b="0" i="0" u="none" strike="noStrike">
+                        <a:solidFill>
+                          <a:srgbClr val="000000"/>
+                        </a:solidFill>
+                        <a:effectLst/>
+                        <a:latin typeface="Times New Roman" panose="02020603050405020304" pitchFamily="18" charset="0"/>
+                      </a:endParaRPr>
+                    </a:p>
+                  </a:txBody>
+                  <a:tcPr marL="6048" marR="6048" marT="6048" marB="0" anchor="b">
+                    <a:lnL w="12700" cap="flat" cmpd="sng" algn="ctr">
+                      <a:solidFill>
+                        <a:schemeClr val="tx1"/>
+                      </a:solidFill>
+                      <a:prstDash val="solid"/>
+                      <a:round/>
+                      <a:headEnd type="none" w="med" len="med"/>
+                      <a:tailEnd type="none" w="med" len="med"/>
+                    </a:lnL>
+                    <a:lnR w="12700" cap="flat" cmpd="sng" algn="ctr">
+                      <a:solidFill>
+                        <a:schemeClr val="tx1"/>
+                      </a:solidFill>
+                      <a:prstDash val="solid"/>
+                      <a:round/>
+                      <a:headEnd type="none" w="med" len="med"/>
+                      <a:tailEnd type="none" w="med" len="med"/>
+                    </a:lnR>
+                    <a:lnT w="12700" cap="flat" cmpd="sng" algn="ctr">
+                      <a:solidFill>
+                        <a:schemeClr val="tx1"/>
+                      </a:solidFill>
+                      <a:prstDash val="solid"/>
+                      <a:round/>
+                      <a:headEnd type="none" w="med" len="med"/>
+                      <a:tailEnd type="none" w="med" len="med"/>
+                    </a:lnT>
+                    <a:lnB w="12700" cap="flat" cmpd="sng" algn="ctr">
+                      <a:solidFill>
+                        <a:schemeClr val="tx1"/>
+                      </a:solidFill>
+                      <a:prstDash val="solid"/>
+                      <a:round/>
+                      <a:headEnd type="none" w="med" len="med"/>
+                      <a:tailEnd type="none" w="med" len="med"/>
+                    </a:lnB>
+                  </a:tcPr>
+                </a:tc>
+                <a:tc>
+                  <a:txBody>
+                    <a:bodyPr/>
+                    <a:lstStyle/>
+                    <a:p>
+                      <a:pPr algn="r" fontAlgn="b"/>
+                      <a:r>
+                        <a:rPr lang="en-US" sz="1600" u="none" strike="noStrike">
+                          <a:effectLst/>
+                        </a:rPr>
+                        <a:t>2.8481686</a:t>
+                      </a:r>
+                      <a:endParaRPr lang="en-US" sz="1600" b="0" i="0" u="none" strike="noStrike">
+                        <a:solidFill>
+                          <a:srgbClr val="000000"/>
+                        </a:solidFill>
+                        <a:effectLst/>
+                        <a:latin typeface="Times New Roman" panose="02020603050405020304" pitchFamily="18" charset="0"/>
+                      </a:endParaRPr>
+                    </a:p>
+                  </a:txBody>
+                  <a:tcPr marL="6048" marR="6048" marT="6048" marB="0" anchor="b">
+                    <a:lnL w="12700" cap="flat" cmpd="sng" algn="ctr">
+                      <a:solidFill>
+                        <a:schemeClr val="tx1"/>
+                      </a:solidFill>
+                      <a:prstDash val="solid"/>
+                      <a:round/>
+                      <a:headEnd type="none" w="med" len="med"/>
+                      <a:tailEnd type="none" w="med" len="med"/>
+                    </a:lnL>
+                    <a:lnR w="12700" cap="flat" cmpd="sng" algn="ctr">
+                      <a:solidFill>
+                        <a:schemeClr val="tx1"/>
+                      </a:solidFill>
+                      <a:prstDash val="solid"/>
+                      <a:round/>
+                      <a:headEnd type="none" w="med" len="med"/>
+                      <a:tailEnd type="none" w="med" len="med"/>
+                    </a:lnR>
+                    <a:lnT w="12700" cap="flat" cmpd="sng" algn="ctr">
+                      <a:solidFill>
+                        <a:schemeClr val="tx1"/>
+                      </a:solidFill>
+                      <a:prstDash val="solid"/>
+                      <a:round/>
+                      <a:headEnd type="none" w="med" len="med"/>
+                      <a:tailEnd type="none" w="med" len="med"/>
+                    </a:lnT>
+                    <a:lnB w="12700" cap="flat" cmpd="sng" algn="ctr">
+                      <a:solidFill>
+                        <a:schemeClr val="tx1"/>
+                      </a:solidFill>
+                      <a:prstDash val="solid"/>
+                      <a:round/>
+                      <a:headEnd type="none" w="med" len="med"/>
+                      <a:tailEnd type="none" w="med" len="med"/>
+                    </a:lnB>
+                  </a:tcPr>
+                </a:tc>
+                <a:tc>
+                  <a:txBody>
+                    <a:bodyPr/>
+                    <a:lstStyle/>
+                    <a:p>
+                      <a:pPr algn="r" fontAlgn="b"/>
+                      <a:r>
+                        <a:rPr lang="en-US" sz="1600" u="none" strike="noStrike" dirty="0">
+                          <a:effectLst/>
+                        </a:rPr>
+                        <a:t>2.86360473</a:t>
+                      </a:r>
+                      <a:endParaRPr lang="en-US" sz="1600" b="0" i="0" u="none" strike="noStrike" dirty="0">
+                        <a:solidFill>
+                          <a:srgbClr val="000000"/>
+                        </a:solidFill>
+                        <a:effectLst/>
+                        <a:latin typeface="Times New Roman" panose="02020603050405020304" pitchFamily="18" charset="0"/>
+                      </a:endParaRPr>
+                    </a:p>
+                  </a:txBody>
+                  <a:tcPr marL="6048" marR="6048" marT="6048" marB="0" anchor="b">
+                    <a:lnL w="12700" cap="flat" cmpd="sng" algn="ctr">
+                      <a:solidFill>
+                        <a:schemeClr val="tx1"/>
+                      </a:solidFill>
+                      <a:prstDash val="solid"/>
+                      <a:round/>
+                      <a:headEnd type="none" w="med" len="med"/>
+                      <a:tailEnd type="none" w="med" len="med"/>
+                    </a:lnL>
+                    <a:lnR w="12700" cap="flat" cmpd="sng" algn="ctr">
+                      <a:solidFill>
+                        <a:schemeClr val="tx1"/>
+                      </a:solidFill>
+                      <a:prstDash val="solid"/>
+                      <a:round/>
+                      <a:headEnd type="none" w="med" len="med"/>
+                      <a:tailEnd type="none" w="med" len="med"/>
+                    </a:lnR>
+                    <a:lnT w="12700" cap="flat" cmpd="sng" algn="ctr">
+                      <a:solidFill>
+                        <a:schemeClr val="tx1"/>
+                      </a:solidFill>
+                      <a:prstDash val="solid"/>
+                      <a:round/>
+                      <a:headEnd type="none" w="med" len="med"/>
+                      <a:tailEnd type="none" w="med" len="med"/>
+                    </a:lnT>
+                    <a:lnB w="12700" cap="flat" cmpd="sng" algn="ctr">
+                      <a:solidFill>
+                        <a:schemeClr val="tx1"/>
+                      </a:solidFill>
+                      <a:prstDash val="solid"/>
+                      <a:round/>
+                      <a:headEnd type="none" w="med" len="med"/>
+                      <a:tailEnd type="none" w="med" len="med"/>
+                    </a:lnB>
+                  </a:tcPr>
+                </a:tc>
+                <a:tc>
+                  <a:txBody>
+                    <a:bodyPr/>
+                    <a:lstStyle/>
+                    <a:p>
+                      <a:pPr algn="r" fontAlgn="b"/>
+                      <a:r>
+                        <a:rPr lang="en-US" sz="1400" b="0" i="0" u="none" strike="noStrike">
+                          <a:solidFill>
+                            <a:srgbClr val="000000"/>
+                          </a:solidFill>
+                          <a:effectLst/>
+                          <a:latin typeface="Times New Roman" panose="02020603050405020304" pitchFamily="18" charset="0"/>
+                        </a:rPr>
+                        <a:t>2.7925959</a:t>
+                      </a:r>
+                    </a:p>
+                  </a:txBody>
+                  <a:tcPr marL="7620" marR="7620" marT="7620" marB="0" anchor="b">
+                    <a:lnL w="12700" cap="flat" cmpd="sng" algn="ctr">
+                      <a:solidFill>
+                        <a:schemeClr val="tx1"/>
+                      </a:solidFill>
+                      <a:prstDash val="solid"/>
+                      <a:round/>
+                      <a:headEnd type="none" w="med" len="med"/>
+                      <a:tailEnd type="none" w="med" len="med"/>
+                    </a:lnL>
+                    <a:lnR w="12700" cap="flat" cmpd="sng" algn="ctr">
+                      <a:solidFill>
+                        <a:schemeClr val="tx1"/>
+                      </a:solidFill>
+                      <a:prstDash val="solid"/>
+                      <a:round/>
+                      <a:headEnd type="none" w="med" len="med"/>
+                      <a:tailEnd type="none" w="med" len="med"/>
+                    </a:lnR>
+                    <a:lnT w="12700" cap="flat" cmpd="sng" algn="ctr">
+                      <a:solidFill>
+                        <a:schemeClr val="tx1"/>
+                      </a:solidFill>
+                      <a:prstDash val="solid"/>
+                      <a:round/>
+                      <a:headEnd type="none" w="med" len="med"/>
+                      <a:tailEnd type="none" w="med" len="med"/>
+                    </a:lnT>
+                    <a:lnB w="12700" cap="flat" cmpd="sng" algn="ctr">
+                      <a:solidFill>
+                        <a:schemeClr val="tx1"/>
+                      </a:solidFill>
+                      <a:prstDash val="solid"/>
+                      <a:round/>
+                      <a:headEnd type="none" w="med" len="med"/>
+                      <a:tailEnd type="none" w="med" len="med"/>
+                    </a:lnB>
+                  </a:tcPr>
+                </a:tc>
+              </a:tr>
+              <a:tr h="838200">
+                <a:tc>
+                  <a:txBody>
+                    <a:bodyPr/>
+                    <a:lstStyle/>
+                    <a:p>
+                      <a:pPr algn="l" fontAlgn="b"/>
+                      <a:r>
+                        <a:rPr lang="en-US" sz="1600" u="none" strike="noStrike" dirty="0">
+                          <a:effectLst/>
+                        </a:rPr>
+                        <a:t>Only subtract Avg. Movie Rating</a:t>
+                      </a:r>
+                      <a:endParaRPr lang="en-US" sz="1600" b="0" i="0" u="none" strike="noStrike" dirty="0">
+                        <a:solidFill>
+                          <a:srgbClr val="000000"/>
+                        </a:solidFill>
+                        <a:effectLst/>
+                        <a:latin typeface="Times New Roman" panose="02020603050405020304" pitchFamily="18" charset="0"/>
+                      </a:endParaRPr>
+                    </a:p>
+                  </a:txBody>
+                  <a:tcPr marL="6048" marR="6048" marT="6048" marB="0" anchor="b">
+                    <a:lnL w="12700" cap="flat" cmpd="sng" algn="ctr">
+                      <a:solidFill>
+                        <a:schemeClr val="tx1"/>
+                      </a:solidFill>
+                      <a:prstDash val="solid"/>
+                      <a:round/>
+                      <a:headEnd type="none" w="med" len="med"/>
+                      <a:tailEnd type="none" w="med" len="med"/>
+                    </a:lnL>
+                    <a:lnR w="12700" cap="flat" cmpd="sng" algn="ctr">
+                      <a:solidFill>
+                        <a:schemeClr val="tx1"/>
+                      </a:solidFill>
+                      <a:prstDash val="solid"/>
+                      <a:round/>
+                      <a:headEnd type="none" w="med" len="med"/>
+                      <a:tailEnd type="none" w="med" len="med"/>
+                    </a:lnR>
+                    <a:lnT w="12700" cap="flat" cmpd="sng" algn="ctr">
+                      <a:solidFill>
+                        <a:schemeClr val="tx1"/>
+                      </a:solidFill>
+                      <a:prstDash val="solid"/>
+                      <a:round/>
+                      <a:headEnd type="none" w="med" len="med"/>
+                      <a:tailEnd type="none" w="med" len="med"/>
+                    </a:lnT>
+                    <a:lnB w="12700" cap="flat" cmpd="sng" algn="ctr">
+                      <a:solidFill>
+                        <a:schemeClr val="tx1"/>
+                      </a:solidFill>
+                      <a:prstDash val="solid"/>
+                      <a:round/>
+                      <a:headEnd type="none" w="med" len="med"/>
+                      <a:tailEnd type="none" w="med" len="med"/>
+                    </a:lnB>
+                    <a:solidFill>
+                      <a:schemeClr val="tx2"/>
+                    </a:solidFill>
+                  </a:tcPr>
+                </a:tc>
+                <a:tc>
+                  <a:txBody>
+                    <a:bodyPr/>
+                    <a:lstStyle/>
+                    <a:p>
+                      <a:pPr algn="r" fontAlgn="b"/>
+                      <a:r>
+                        <a:rPr lang="en-US" sz="1600" u="none" strike="noStrike">
+                          <a:effectLst/>
+                        </a:rPr>
+                        <a:t>0.99705938</a:t>
+                      </a:r>
+                      <a:endParaRPr lang="en-US" sz="1600" b="0" i="0" u="none" strike="noStrike">
+                        <a:solidFill>
+                          <a:srgbClr val="000000"/>
+                        </a:solidFill>
+                        <a:effectLst/>
+                        <a:latin typeface="Times New Roman" panose="02020603050405020304" pitchFamily="18" charset="0"/>
+                      </a:endParaRPr>
+                    </a:p>
+                  </a:txBody>
+                  <a:tcPr marL="6048" marR="6048" marT="6048" marB="0" anchor="b">
+                    <a:lnL w="12700" cap="flat" cmpd="sng" algn="ctr">
+                      <a:solidFill>
+                        <a:schemeClr val="tx1"/>
+                      </a:solidFill>
+                      <a:prstDash val="solid"/>
+                      <a:round/>
+                      <a:headEnd type="none" w="med" len="med"/>
+                      <a:tailEnd type="none" w="med" len="med"/>
+                    </a:lnL>
+                    <a:lnR w="12700" cap="flat" cmpd="sng" algn="ctr">
+                      <a:solidFill>
+                        <a:schemeClr val="tx1"/>
+                      </a:solidFill>
+                      <a:prstDash val="solid"/>
+                      <a:round/>
+                      <a:headEnd type="none" w="med" len="med"/>
+                      <a:tailEnd type="none" w="med" len="med"/>
+                    </a:lnR>
+                    <a:lnT w="12700" cap="flat" cmpd="sng" algn="ctr">
+                      <a:solidFill>
+                        <a:schemeClr val="tx1"/>
+                      </a:solidFill>
+                      <a:prstDash val="solid"/>
+                      <a:round/>
+                      <a:headEnd type="none" w="med" len="med"/>
+                      <a:tailEnd type="none" w="med" len="med"/>
+                    </a:lnT>
+                    <a:lnB w="12700" cap="flat" cmpd="sng" algn="ctr">
+                      <a:solidFill>
+                        <a:schemeClr val="tx1"/>
+                      </a:solidFill>
+                      <a:prstDash val="solid"/>
+                      <a:round/>
+                      <a:headEnd type="none" w="med" len="med"/>
+                      <a:tailEnd type="none" w="med" len="med"/>
+                    </a:lnB>
+                  </a:tcPr>
+                </a:tc>
+                <a:tc>
+                  <a:txBody>
+                    <a:bodyPr/>
+                    <a:lstStyle/>
+                    <a:p>
+                      <a:pPr algn="r" fontAlgn="b"/>
+                      <a:r>
+                        <a:rPr lang="en-US" sz="1600" u="none" strike="noStrike">
+                          <a:effectLst/>
+                        </a:rPr>
+                        <a:t>0.98746208</a:t>
+                      </a:r>
+                      <a:endParaRPr lang="en-US" sz="1600" b="0" i="0" u="none" strike="noStrike">
+                        <a:solidFill>
+                          <a:srgbClr val="000000"/>
+                        </a:solidFill>
+                        <a:effectLst/>
+                        <a:latin typeface="Times New Roman" panose="02020603050405020304" pitchFamily="18" charset="0"/>
+                      </a:endParaRPr>
+                    </a:p>
+                  </a:txBody>
+                  <a:tcPr marL="6048" marR="6048" marT="6048" marB="0" anchor="b">
+                    <a:lnL w="12700" cap="flat" cmpd="sng" algn="ctr">
+                      <a:solidFill>
+                        <a:schemeClr val="tx1"/>
+                      </a:solidFill>
+                      <a:prstDash val="solid"/>
+                      <a:round/>
+                      <a:headEnd type="none" w="med" len="med"/>
+                      <a:tailEnd type="none" w="med" len="med"/>
+                    </a:lnL>
+                    <a:lnR w="12700" cap="flat" cmpd="sng" algn="ctr">
+                      <a:solidFill>
+                        <a:schemeClr val="tx1"/>
+                      </a:solidFill>
+                      <a:prstDash val="solid"/>
+                      <a:round/>
+                      <a:headEnd type="none" w="med" len="med"/>
+                      <a:tailEnd type="none" w="med" len="med"/>
+                    </a:lnR>
+                    <a:lnT w="12700" cap="flat" cmpd="sng" algn="ctr">
+                      <a:solidFill>
+                        <a:schemeClr val="tx1"/>
+                      </a:solidFill>
+                      <a:prstDash val="solid"/>
+                      <a:round/>
+                      <a:headEnd type="none" w="med" len="med"/>
+                      <a:tailEnd type="none" w="med" len="med"/>
+                    </a:lnT>
+                    <a:lnB w="12700" cap="flat" cmpd="sng" algn="ctr">
+                      <a:solidFill>
+                        <a:schemeClr val="tx1"/>
+                      </a:solidFill>
+                      <a:prstDash val="solid"/>
+                      <a:round/>
+                      <a:headEnd type="none" w="med" len="med"/>
+                      <a:tailEnd type="none" w="med" len="med"/>
+                    </a:lnB>
+                  </a:tcPr>
+                </a:tc>
+                <a:tc>
+                  <a:txBody>
+                    <a:bodyPr/>
+                    <a:lstStyle/>
+                    <a:p>
+                      <a:pPr algn="r" fontAlgn="b"/>
+                      <a:r>
+                        <a:rPr lang="en-US" sz="1600" u="none" strike="noStrike">
+                          <a:effectLst/>
+                        </a:rPr>
+                        <a:t>0.98036265</a:t>
+                      </a:r>
+                      <a:endParaRPr lang="en-US" sz="1600" b="0" i="0" u="none" strike="noStrike">
+                        <a:solidFill>
+                          <a:srgbClr val="000000"/>
+                        </a:solidFill>
+                        <a:effectLst/>
+                        <a:latin typeface="Times New Roman" panose="02020603050405020304" pitchFamily="18" charset="0"/>
+                      </a:endParaRPr>
+                    </a:p>
+                  </a:txBody>
+                  <a:tcPr marL="6048" marR="6048" marT="6048" marB="0" anchor="b">
+                    <a:lnL w="12700" cap="flat" cmpd="sng" algn="ctr">
+                      <a:solidFill>
+                        <a:schemeClr val="tx1"/>
+                      </a:solidFill>
+                      <a:prstDash val="solid"/>
+                      <a:round/>
+                      <a:headEnd type="none" w="med" len="med"/>
+                      <a:tailEnd type="none" w="med" len="med"/>
+                    </a:lnL>
+                    <a:lnR w="12700" cap="flat" cmpd="sng" algn="ctr">
+                      <a:solidFill>
+                        <a:schemeClr val="tx1"/>
+                      </a:solidFill>
+                      <a:prstDash val="solid"/>
+                      <a:round/>
+                      <a:headEnd type="none" w="med" len="med"/>
+                      <a:tailEnd type="none" w="med" len="med"/>
+                    </a:lnR>
+                    <a:lnT w="12700" cap="flat" cmpd="sng" algn="ctr">
+                      <a:solidFill>
+                        <a:schemeClr val="tx1"/>
+                      </a:solidFill>
+                      <a:prstDash val="solid"/>
+                      <a:round/>
+                      <a:headEnd type="none" w="med" len="med"/>
+                      <a:tailEnd type="none" w="med" len="med"/>
+                    </a:lnT>
+                    <a:lnB w="12700" cap="flat" cmpd="sng" algn="ctr">
+                      <a:solidFill>
+                        <a:schemeClr val="tx1"/>
+                      </a:solidFill>
+                      <a:prstDash val="solid"/>
+                      <a:round/>
+                      <a:headEnd type="none" w="med" len="med"/>
+                      <a:tailEnd type="none" w="med" len="med"/>
+                    </a:lnB>
+                  </a:tcPr>
+                </a:tc>
+                <a:tc>
+                  <a:txBody>
+                    <a:bodyPr/>
+                    <a:lstStyle/>
+                    <a:p>
+                      <a:pPr algn="r" fontAlgn="b"/>
+                      <a:r>
+                        <a:rPr lang="en-US" sz="1600" u="none" strike="noStrike">
+                          <a:effectLst/>
+                        </a:rPr>
+                        <a:t>0.97728907</a:t>
+                      </a:r>
+                      <a:endParaRPr lang="en-US" sz="1600" b="0" i="0" u="none" strike="noStrike">
+                        <a:solidFill>
+                          <a:srgbClr val="000000"/>
+                        </a:solidFill>
+                        <a:effectLst/>
+                        <a:latin typeface="Times New Roman" panose="02020603050405020304" pitchFamily="18" charset="0"/>
+                      </a:endParaRPr>
+                    </a:p>
+                  </a:txBody>
+                  <a:tcPr marL="6048" marR="6048" marT="6048" marB="0" anchor="b">
+                    <a:lnL w="12700" cap="flat" cmpd="sng" algn="ctr">
+                      <a:solidFill>
+                        <a:schemeClr val="tx1"/>
+                      </a:solidFill>
+                      <a:prstDash val="solid"/>
+                      <a:round/>
+                      <a:headEnd type="none" w="med" len="med"/>
+                      <a:tailEnd type="none" w="med" len="med"/>
+                    </a:lnL>
+                    <a:lnR w="12700" cap="flat" cmpd="sng" algn="ctr">
+                      <a:solidFill>
+                        <a:schemeClr val="tx1"/>
+                      </a:solidFill>
+                      <a:prstDash val="solid"/>
+                      <a:round/>
+                      <a:headEnd type="none" w="med" len="med"/>
+                      <a:tailEnd type="none" w="med" len="med"/>
+                    </a:lnR>
+                    <a:lnT w="12700" cap="flat" cmpd="sng" algn="ctr">
+                      <a:solidFill>
+                        <a:schemeClr val="tx1"/>
+                      </a:solidFill>
+                      <a:prstDash val="solid"/>
+                      <a:round/>
+                      <a:headEnd type="none" w="med" len="med"/>
+                      <a:tailEnd type="none" w="med" len="med"/>
+                    </a:lnT>
+                    <a:lnB w="12700" cap="flat" cmpd="sng" algn="ctr">
+                      <a:solidFill>
+                        <a:schemeClr val="tx1"/>
+                      </a:solidFill>
+                      <a:prstDash val="solid"/>
+                      <a:round/>
+                      <a:headEnd type="none" w="med" len="med"/>
+                      <a:tailEnd type="none" w="med" len="med"/>
+                    </a:lnB>
+                  </a:tcPr>
+                </a:tc>
+                <a:tc>
+                  <a:txBody>
+                    <a:bodyPr/>
+                    <a:lstStyle/>
+                    <a:p>
+                      <a:pPr algn="r" fontAlgn="b"/>
+                      <a:r>
+                        <a:rPr lang="en-US" sz="1600" u="none" strike="noStrike">
+                          <a:effectLst/>
+                        </a:rPr>
+                        <a:t>1.00559303</a:t>
+                      </a:r>
+                      <a:endParaRPr lang="en-US" sz="1600" b="0" i="0" u="none" strike="noStrike">
+                        <a:solidFill>
+                          <a:srgbClr val="000000"/>
+                        </a:solidFill>
+                        <a:effectLst/>
+                        <a:latin typeface="Times New Roman" panose="02020603050405020304" pitchFamily="18" charset="0"/>
+                      </a:endParaRPr>
+                    </a:p>
+                  </a:txBody>
+                  <a:tcPr marL="6048" marR="6048" marT="6048" marB="0" anchor="b">
+                    <a:lnL w="12700" cap="flat" cmpd="sng" algn="ctr">
+                      <a:solidFill>
+                        <a:schemeClr val="tx1"/>
+                      </a:solidFill>
+                      <a:prstDash val="solid"/>
+                      <a:round/>
+                      <a:headEnd type="none" w="med" len="med"/>
+                      <a:tailEnd type="none" w="med" len="med"/>
+                    </a:lnL>
+                    <a:lnR w="12700" cap="flat" cmpd="sng" algn="ctr">
+                      <a:solidFill>
+                        <a:schemeClr val="tx1"/>
+                      </a:solidFill>
+                      <a:prstDash val="solid"/>
+                      <a:round/>
+                      <a:headEnd type="none" w="med" len="med"/>
+                      <a:tailEnd type="none" w="med" len="med"/>
+                    </a:lnR>
+                    <a:lnT w="12700" cap="flat" cmpd="sng" algn="ctr">
+                      <a:solidFill>
+                        <a:schemeClr val="tx1"/>
+                      </a:solidFill>
+                      <a:prstDash val="solid"/>
+                      <a:round/>
+                      <a:headEnd type="none" w="med" len="med"/>
+                      <a:tailEnd type="none" w="med" len="med"/>
+                    </a:lnT>
+                    <a:lnB w="12700" cap="flat" cmpd="sng" algn="ctr">
+                      <a:solidFill>
+                        <a:schemeClr val="tx1"/>
+                      </a:solidFill>
+                      <a:prstDash val="solid"/>
+                      <a:round/>
+                      <a:headEnd type="none" w="med" len="med"/>
+                      <a:tailEnd type="none" w="med" len="med"/>
+                    </a:lnB>
+                  </a:tcPr>
+                </a:tc>
+                <a:tc>
+                  <a:txBody>
+                    <a:bodyPr/>
+                    <a:lstStyle/>
+                    <a:p>
+                      <a:pPr algn="r" fontAlgn="b"/>
+                      <a:r>
+                        <a:rPr lang="en-US" sz="1600" u="none" strike="noStrike">
+                          <a:effectLst/>
+                        </a:rPr>
+                        <a:t>1.01613083</a:t>
+                      </a:r>
+                      <a:endParaRPr lang="en-US" sz="1600" b="0" i="0" u="none" strike="noStrike">
+                        <a:solidFill>
+                          <a:srgbClr val="000000"/>
+                        </a:solidFill>
+                        <a:effectLst/>
+                        <a:latin typeface="Times New Roman" panose="02020603050405020304" pitchFamily="18" charset="0"/>
+                      </a:endParaRPr>
+                    </a:p>
+                  </a:txBody>
+                  <a:tcPr marL="6048" marR="6048" marT="6048" marB="0" anchor="b">
+                    <a:lnL w="12700" cap="flat" cmpd="sng" algn="ctr">
+                      <a:solidFill>
+                        <a:schemeClr val="tx1"/>
+                      </a:solidFill>
+                      <a:prstDash val="solid"/>
+                      <a:round/>
+                      <a:headEnd type="none" w="med" len="med"/>
+                      <a:tailEnd type="none" w="med" len="med"/>
+                    </a:lnL>
+                    <a:lnR w="12700" cap="flat" cmpd="sng" algn="ctr">
+                      <a:solidFill>
+                        <a:schemeClr val="tx1"/>
+                      </a:solidFill>
+                      <a:prstDash val="solid"/>
+                      <a:round/>
+                      <a:headEnd type="none" w="med" len="med"/>
+                      <a:tailEnd type="none" w="med" len="med"/>
+                    </a:lnR>
+                    <a:lnT w="12700" cap="flat" cmpd="sng" algn="ctr">
+                      <a:solidFill>
+                        <a:schemeClr val="tx1"/>
+                      </a:solidFill>
+                      <a:prstDash val="solid"/>
+                      <a:round/>
+                      <a:headEnd type="none" w="med" len="med"/>
+                      <a:tailEnd type="none" w="med" len="med"/>
+                    </a:lnT>
+                    <a:lnB w="12700" cap="flat" cmpd="sng" algn="ctr">
+                      <a:solidFill>
+                        <a:schemeClr val="tx1"/>
+                      </a:solidFill>
+                      <a:prstDash val="solid"/>
+                      <a:round/>
+                      <a:headEnd type="none" w="med" len="med"/>
+                      <a:tailEnd type="none" w="med" len="med"/>
+                    </a:lnB>
+                  </a:tcPr>
+                </a:tc>
+                <a:tc>
+                  <a:txBody>
+                    <a:bodyPr/>
+                    <a:lstStyle/>
+                    <a:p>
+                      <a:pPr algn="r" fontAlgn="b"/>
+                      <a:r>
+                        <a:rPr lang="en-US" sz="1400" b="0" i="0" u="none" strike="noStrike">
+                          <a:solidFill>
+                            <a:srgbClr val="000000"/>
+                          </a:solidFill>
+                          <a:effectLst/>
+                          <a:latin typeface="Times New Roman" panose="02020603050405020304" pitchFamily="18" charset="0"/>
+                        </a:rPr>
+                        <a:t>0.9939828</a:t>
+                      </a:r>
+                    </a:p>
+                  </a:txBody>
+                  <a:tcPr marL="7620" marR="7620" marT="7620" marB="0" anchor="b">
+                    <a:lnL w="12700" cap="flat" cmpd="sng" algn="ctr">
+                      <a:solidFill>
+                        <a:schemeClr val="tx1"/>
+                      </a:solidFill>
+                      <a:prstDash val="solid"/>
+                      <a:round/>
+                      <a:headEnd type="none" w="med" len="med"/>
+                      <a:tailEnd type="none" w="med" len="med"/>
+                    </a:lnL>
+                    <a:lnR w="12700" cap="flat" cmpd="sng" algn="ctr">
+                      <a:solidFill>
+                        <a:schemeClr val="tx1"/>
+                      </a:solidFill>
+                      <a:prstDash val="solid"/>
+                      <a:round/>
+                      <a:headEnd type="none" w="med" len="med"/>
+                      <a:tailEnd type="none" w="med" len="med"/>
+                    </a:lnR>
+                    <a:lnT w="12700" cap="flat" cmpd="sng" algn="ctr">
+                      <a:solidFill>
+                        <a:schemeClr val="tx1"/>
+                      </a:solidFill>
+                      <a:prstDash val="solid"/>
+                      <a:round/>
+                      <a:headEnd type="none" w="med" len="med"/>
+                      <a:tailEnd type="none" w="med" len="med"/>
+                    </a:lnT>
+                    <a:lnB w="12700" cap="flat" cmpd="sng" algn="ctr">
+                      <a:solidFill>
+                        <a:schemeClr val="tx1"/>
+                      </a:solidFill>
+                      <a:prstDash val="solid"/>
+                      <a:round/>
+                      <a:headEnd type="none" w="med" len="med"/>
+                      <a:tailEnd type="none" w="med" len="med"/>
+                    </a:lnB>
+                  </a:tcPr>
+                </a:tc>
+              </a:tr>
+              <a:tr h="838200">
+                <a:tc>
+                  <a:txBody>
+                    <a:bodyPr/>
+                    <a:lstStyle/>
+                    <a:p>
+                      <a:pPr algn="l" fontAlgn="b"/>
+                      <a:r>
+                        <a:rPr lang="en-US" sz="1600" u="none" strike="noStrike" dirty="0">
+                          <a:effectLst/>
+                        </a:rPr>
+                        <a:t>Weighted rating per user</a:t>
+                      </a:r>
+                      <a:endParaRPr lang="en-US" sz="1600" b="0" i="0" u="none" strike="noStrike" dirty="0">
+                        <a:solidFill>
+                          <a:srgbClr val="000000"/>
+                        </a:solidFill>
+                        <a:effectLst/>
+                        <a:latin typeface="Times New Roman" panose="02020603050405020304" pitchFamily="18" charset="0"/>
+                      </a:endParaRPr>
+                    </a:p>
+                  </a:txBody>
+                  <a:tcPr marL="6048" marR="6048" marT="6048" marB="0" anchor="b">
+                    <a:lnL w="12700" cap="flat" cmpd="sng" algn="ctr">
+                      <a:solidFill>
+                        <a:schemeClr val="tx1"/>
+                      </a:solidFill>
+                      <a:prstDash val="solid"/>
+                      <a:round/>
+                      <a:headEnd type="none" w="med" len="med"/>
+                      <a:tailEnd type="none" w="med" len="med"/>
+                    </a:lnL>
+                    <a:lnR w="12700" cap="flat" cmpd="sng" algn="ctr">
+                      <a:solidFill>
+                        <a:schemeClr val="tx1"/>
+                      </a:solidFill>
+                      <a:prstDash val="solid"/>
+                      <a:round/>
+                      <a:headEnd type="none" w="med" len="med"/>
+                      <a:tailEnd type="none" w="med" len="med"/>
+                    </a:lnR>
+                    <a:lnT w="12700" cap="flat" cmpd="sng" algn="ctr">
+                      <a:solidFill>
+                        <a:schemeClr val="tx1"/>
+                      </a:solidFill>
+                      <a:prstDash val="solid"/>
+                      <a:round/>
+                      <a:headEnd type="none" w="med" len="med"/>
+                      <a:tailEnd type="none" w="med" len="med"/>
+                    </a:lnT>
+                    <a:lnB w="12700" cap="flat" cmpd="sng" algn="ctr">
+                      <a:solidFill>
+                        <a:schemeClr val="tx1"/>
+                      </a:solidFill>
+                      <a:prstDash val="solid"/>
+                      <a:round/>
+                      <a:headEnd type="none" w="med" len="med"/>
+                      <a:tailEnd type="none" w="med" len="med"/>
+                    </a:lnB>
+                    <a:solidFill>
+                      <a:schemeClr val="tx2"/>
+                    </a:solidFill>
+                  </a:tcPr>
+                </a:tc>
+                <a:tc>
+                  <a:txBody>
+                    <a:bodyPr/>
+                    <a:lstStyle/>
+                    <a:p>
+                      <a:pPr algn="r" fontAlgn="b"/>
+                      <a:r>
+                        <a:rPr lang="en-US" sz="1600" u="none" strike="noStrike">
+                          <a:effectLst/>
+                        </a:rPr>
+                        <a:t>0.95048582</a:t>
+                      </a:r>
+                      <a:endParaRPr lang="en-US" sz="1600" b="0" i="0" u="none" strike="noStrike">
+                        <a:solidFill>
+                          <a:srgbClr val="000000"/>
+                        </a:solidFill>
+                        <a:effectLst/>
+                        <a:latin typeface="Times New Roman" panose="02020603050405020304" pitchFamily="18" charset="0"/>
+                      </a:endParaRPr>
+                    </a:p>
+                  </a:txBody>
+                  <a:tcPr marL="6048" marR="6048" marT="6048" marB="0" anchor="b">
+                    <a:lnL w="12700" cap="flat" cmpd="sng" algn="ctr">
+                      <a:solidFill>
+                        <a:schemeClr val="tx1"/>
+                      </a:solidFill>
+                      <a:prstDash val="solid"/>
+                      <a:round/>
+                      <a:headEnd type="none" w="med" len="med"/>
+                      <a:tailEnd type="none" w="med" len="med"/>
+                    </a:lnL>
+                    <a:lnR w="12700" cap="flat" cmpd="sng" algn="ctr">
+                      <a:solidFill>
+                        <a:schemeClr val="tx1"/>
+                      </a:solidFill>
+                      <a:prstDash val="solid"/>
+                      <a:round/>
+                      <a:headEnd type="none" w="med" len="med"/>
+                      <a:tailEnd type="none" w="med" len="med"/>
+                    </a:lnR>
+                    <a:lnT w="12700" cap="flat" cmpd="sng" algn="ctr">
+                      <a:solidFill>
+                        <a:schemeClr val="tx1"/>
+                      </a:solidFill>
+                      <a:prstDash val="solid"/>
+                      <a:round/>
+                      <a:headEnd type="none" w="med" len="med"/>
+                      <a:tailEnd type="none" w="med" len="med"/>
+                    </a:lnT>
+                    <a:lnB w="12700" cap="flat" cmpd="sng" algn="ctr">
+                      <a:solidFill>
+                        <a:schemeClr val="tx1"/>
+                      </a:solidFill>
+                      <a:prstDash val="solid"/>
+                      <a:round/>
+                      <a:headEnd type="none" w="med" len="med"/>
+                      <a:tailEnd type="none" w="med" len="med"/>
+                    </a:lnB>
+                  </a:tcPr>
+                </a:tc>
+                <a:tc>
+                  <a:txBody>
+                    <a:bodyPr/>
+                    <a:lstStyle/>
+                    <a:p>
+                      <a:pPr algn="r" fontAlgn="b"/>
+                      <a:r>
+                        <a:rPr lang="en-US" sz="1600" u="none" strike="noStrike">
+                          <a:effectLst/>
+                        </a:rPr>
+                        <a:t>0.93893182</a:t>
+                      </a:r>
+                      <a:endParaRPr lang="en-US" sz="1600" b="0" i="0" u="none" strike="noStrike">
+                        <a:solidFill>
+                          <a:srgbClr val="000000"/>
+                        </a:solidFill>
+                        <a:effectLst/>
+                        <a:latin typeface="Times New Roman" panose="02020603050405020304" pitchFamily="18" charset="0"/>
+                      </a:endParaRPr>
+                    </a:p>
+                  </a:txBody>
+                  <a:tcPr marL="6048" marR="6048" marT="6048" marB="0" anchor="b">
+                    <a:lnL w="12700" cap="flat" cmpd="sng" algn="ctr">
+                      <a:solidFill>
+                        <a:schemeClr val="tx1"/>
+                      </a:solidFill>
+                      <a:prstDash val="solid"/>
+                      <a:round/>
+                      <a:headEnd type="none" w="med" len="med"/>
+                      <a:tailEnd type="none" w="med" len="med"/>
+                    </a:lnL>
+                    <a:lnR w="12700" cap="flat" cmpd="sng" algn="ctr">
+                      <a:solidFill>
+                        <a:schemeClr val="tx1"/>
+                      </a:solidFill>
+                      <a:prstDash val="solid"/>
+                      <a:round/>
+                      <a:headEnd type="none" w="med" len="med"/>
+                      <a:tailEnd type="none" w="med" len="med"/>
+                    </a:lnR>
+                    <a:lnT w="12700" cap="flat" cmpd="sng" algn="ctr">
+                      <a:solidFill>
+                        <a:schemeClr val="tx1"/>
+                      </a:solidFill>
+                      <a:prstDash val="solid"/>
+                      <a:round/>
+                      <a:headEnd type="none" w="med" len="med"/>
+                      <a:tailEnd type="none" w="med" len="med"/>
+                    </a:lnT>
+                    <a:lnB w="12700" cap="flat" cmpd="sng" algn="ctr">
+                      <a:solidFill>
+                        <a:schemeClr val="tx1"/>
+                      </a:solidFill>
+                      <a:prstDash val="solid"/>
+                      <a:round/>
+                      <a:headEnd type="none" w="med" len="med"/>
+                      <a:tailEnd type="none" w="med" len="med"/>
+                    </a:lnB>
+                  </a:tcPr>
+                </a:tc>
+                <a:tc>
+                  <a:txBody>
+                    <a:bodyPr/>
+                    <a:lstStyle/>
+                    <a:p>
+                      <a:pPr algn="r" fontAlgn="b"/>
+                      <a:r>
+                        <a:rPr lang="en-US" sz="1600" u="none" strike="noStrike">
+                          <a:effectLst/>
+                        </a:rPr>
+                        <a:t>0.9387754</a:t>
+                      </a:r>
+                      <a:endParaRPr lang="en-US" sz="1600" b="0" i="0" u="none" strike="noStrike">
+                        <a:solidFill>
+                          <a:srgbClr val="000000"/>
+                        </a:solidFill>
+                        <a:effectLst/>
+                        <a:latin typeface="Times New Roman" panose="02020603050405020304" pitchFamily="18" charset="0"/>
+                      </a:endParaRPr>
+                    </a:p>
+                  </a:txBody>
+                  <a:tcPr marL="6048" marR="6048" marT="6048" marB="0" anchor="b">
+                    <a:lnL w="12700" cap="flat" cmpd="sng" algn="ctr">
+                      <a:solidFill>
+                        <a:schemeClr val="tx1"/>
+                      </a:solidFill>
+                      <a:prstDash val="solid"/>
+                      <a:round/>
+                      <a:headEnd type="none" w="med" len="med"/>
+                      <a:tailEnd type="none" w="med" len="med"/>
+                    </a:lnL>
+                    <a:lnR w="12700" cap="flat" cmpd="sng" algn="ctr">
+                      <a:solidFill>
+                        <a:schemeClr val="tx1"/>
+                      </a:solidFill>
+                      <a:prstDash val="solid"/>
+                      <a:round/>
+                      <a:headEnd type="none" w="med" len="med"/>
+                      <a:tailEnd type="none" w="med" len="med"/>
+                    </a:lnR>
+                    <a:lnT w="12700" cap="flat" cmpd="sng" algn="ctr">
+                      <a:solidFill>
+                        <a:schemeClr val="tx1"/>
+                      </a:solidFill>
+                      <a:prstDash val="solid"/>
+                      <a:round/>
+                      <a:headEnd type="none" w="med" len="med"/>
+                      <a:tailEnd type="none" w="med" len="med"/>
+                    </a:lnT>
+                    <a:lnB w="12700" cap="flat" cmpd="sng" algn="ctr">
+                      <a:solidFill>
+                        <a:schemeClr val="tx1"/>
+                      </a:solidFill>
+                      <a:prstDash val="solid"/>
+                      <a:round/>
+                      <a:headEnd type="none" w="med" len="med"/>
+                      <a:tailEnd type="none" w="med" len="med"/>
+                    </a:lnB>
+                  </a:tcPr>
+                </a:tc>
+                <a:tc>
+                  <a:txBody>
+                    <a:bodyPr/>
+                    <a:lstStyle/>
+                    <a:p>
+                      <a:pPr algn="r" fontAlgn="b"/>
+                      <a:r>
+                        <a:rPr lang="en-US" sz="1600" u="none" strike="noStrike">
+                          <a:effectLst/>
+                        </a:rPr>
+                        <a:t>0.93524512</a:t>
+                      </a:r>
+                      <a:endParaRPr lang="en-US" sz="1600" b="0" i="0" u="none" strike="noStrike">
+                        <a:solidFill>
+                          <a:srgbClr val="000000"/>
+                        </a:solidFill>
+                        <a:effectLst/>
+                        <a:latin typeface="Times New Roman" panose="02020603050405020304" pitchFamily="18" charset="0"/>
+                      </a:endParaRPr>
+                    </a:p>
+                  </a:txBody>
+                  <a:tcPr marL="6048" marR="6048" marT="6048" marB="0" anchor="b">
+                    <a:lnL w="12700" cap="flat" cmpd="sng" algn="ctr">
+                      <a:solidFill>
+                        <a:schemeClr val="tx1"/>
+                      </a:solidFill>
+                      <a:prstDash val="solid"/>
+                      <a:round/>
+                      <a:headEnd type="none" w="med" len="med"/>
+                      <a:tailEnd type="none" w="med" len="med"/>
+                    </a:lnL>
+                    <a:lnR w="12700" cap="flat" cmpd="sng" algn="ctr">
+                      <a:solidFill>
+                        <a:schemeClr val="tx1"/>
+                      </a:solidFill>
+                      <a:prstDash val="solid"/>
+                      <a:round/>
+                      <a:headEnd type="none" w="med" len="med"/>
+                      <a:tailEnd type="none" w="med" len="med"/>
+                    </a:lnR>
+                    <a:lnT w="12700" cap="flat" cmpd="sng" algn="ctr">
+                      <a:solidFill>
+                        <a:schemeClr val="tx1"/>
+                      </a:solidFill>
+                      <a:prstDash val="solid"/>
+                      <a:round/>
+                      <a:headEnd type="none" w="med" len="med"/>
+                      <a:tailEnd type="none" w="med" len="med"/>
+                    </a:lnT>
+                    <a:lnB w="12700" cap="flat" cmpd="sng" algn="ctr">
+                      <a:solidFill>
+                        <a:schemeClr val="tx1"/>
+                      </a:solidFill>
+                      <a:prstDash val="solid"/>
+                      <a:round/>
+                      <a:headEnd type="none" w="med" len="med"/>
+                      <a:tailEnd type="none" w="med" len="med"/>
+                    </a:lnB>
+                  </a:tcPr>
+                </a:tc>
+                <a:tc>
+                  <a:txBody>
+                    <a:bodyPr/>
+                    <a:lstStyle/>
+                    <a:p>
+                      <a:pPr algn="r" fontAlgn="b"/>
+                      <a:r>
+                        <a:rPr lang="en-US" sz="1600" u="none" strike="noStrike">
+                          <a:effectLst/>
+                        </a:rPr>
+                        <a:t>0.95632111</a:t>
+                      </a:r>
+                      <a:endParaRPr lang="en-US" sz="1600" b="0" i="0" u="none" strike="noStrike">
+                        <a:solidFill>
+                          <a:srgbClr val="000000"/>
+                        </a:solidFill>
+                        <a:effectLst/>
+                        <a:latin typeface="Times New Roman" panose="02020603050405020304" pitchFamily="18" charset="0"/>
+                      </a:endParaRPr>
+                    </a:p>
+                  </a:txBody>
+                  <a:tcPr marL="6048" marR="6048" marT="6048" marB="0" anchor="b">
+                    <a:lnL w="12700" cap="flat" cmpd="sng" algn="ctr">
+                      <a:solidFill>
+                        <a:schemeClr val="tx1"/>
+                      </a:solidFill>
+                      <a:prstDash val="solid"/>
+                      <a:round/>
+                      <a:headEnd type="none" w="med" len="med"/>
+                      <a:tailEnd type="none" w="med" len="med"/>
+                    </a:lnL>
+                    <a:lnR w="12700" cap="flat" cmpd="sng" algn="ctr">
+                      <a:solidFill>
+                        <a:schemeClr val="tx1"/>
+                      </a:solidFill>
+                      <a:prstDash val="solid"/>
+                      <a:round/>
+                      <a:headEnd type="none" w="med" len="med"/>
+                      <a:tailEnd type="none" w="med" len="med"/>
+                    </a:lnR>
+                    <a:lnT w="12700" cap="flat" cmpd="sng" algn="ctr">
+                      <a:solidFill>
+                        <a:schemeClr val="tx1"/>
+                      </a:solidFill>
+                      <a:prstDash val="solid"/>
+                      <a:round/>
+                      <a:headEnd type="none" w="med" len="med"/>
+                      <a:tailEnd type="none" w="med" len="med"/>
+                    </a:lnT>
+                    <a:lnB w="12700" cap="flat" cmpd="sng" algn="ctr">
+                      <a:solidFill>
+                        <a:schemeClr val="tx1"/>
+                      </a:solidFill>
+                      <a:prstDash val="solid"/>
+                      <a:round/>
+                      <a:headEnd type="none" w="med" len="med"/>
+                      <a:tailEnd type="none" w="med" len="med"/>
+                    </a:lnB>
+                  </a:tcPr>
+                </a:tc>
+                <a:tc>
+                  <a:txBody>
+                    <a:bodyPr/>
+                    <a:lstStyle/>
+                    <a:p>
+                      <a:pPr algn="r" fontAlgn="b"/>
+                      <a:r>
+                        <a:rPr lang="en-US" sz="1600" u="none" strike="noStrike">
+                          <a:effectLst/>
+                        </a:rPr>
+                        <a:t>0.97042699</a:t>
+                      </a:r>
+                      <a:endParaRPr lang="en-US" sz="1600" b="0" i="0" u="none" strike="noStrike">
+                        <a:solidFill>
+                          <a:srgbClr val="000000"/>
+                        </a:solidFill>
+                        <a:effectLst/>
+                        <a:latin typeface="Times New Roman" panose="02020603050405020304" pitchFamily="18" charset="0"/>
+                      </a:endParaRPr>
+                    </a:p>
+                  </a:txBody>
+                  <a:tcPr marL="6048" marR="6048" marT="6048" marB="0" anchor="b">
+                    <a:lnL w="12700" cap="flat" cmpd="sng" algn="ctr">
+                      <a:solidFill>
+                        <a:schemeClr val="tx1"/>
+                      </a:solidFill>
+                      <a:prstDash val="solid"/>
+                      <a:round/>
+                      <a:headEnd type="none" w="med" len="med"/>
+                      <a:tailEnd type="none" w="med" len="med"/>
+                    </a:lnL>
+                    <a:lnR w="12700" cap="flat" cmpd="sng" algn="ctr">
+                      <a:solidFill>
+                        <a:schemeClr val="tx1"/>
+                      </a:solidFill>
+                      <a:prstDash val="solid"/>
+                      <a:round/>
+                      <a:headEnd type="none" w="med" len="med"/>
+                      <a:tailEnd type="none" w="med" len="med"/>
+                    </a:lnR>
+                    <a:lnT w="12700" cap="flat" cmpd="sng" algn="ctr">
+                      <a:solidFill>
+                        <a:schemeClr val="tx1"/>
+                      </a:solidFill>
+                      <a:prstDash val="solid"/>
+                      <a:round/>
+                      <a:headEnd type="none" w="med" len="med"/>
+                      <a:tailEnd type="none" w="med" len="med"/>
+                    </a:lnT>
+                    <a:lnB w="12700" cap="flat" cmpd="sng" algn="ctr">
+                      <a:solidFill>
+                        <a:schemeClr val="tx1"/>
+                      </a:solidFill>
+                      <a:prstDash val="solid"/>
+                      <a:round/>
+                      <a:headEnd type="none" w="med" len="med"/>
+                      <a:tailEnd type="none" w="med" len="med"/>
+                    </a:lnB>
+                  </a:tcPr>
+                </a:tc>
+                <a:tc>
+                  <a:txBody>
+                    <a:bodyPr/>
+                    <a:lstStyle/>
+                    <a:p>
+                      <a:pPr algn="r" fontAlgn="b"/>
+                      <a:r>
+                        <a:rPr lang="en-US" sz="1400" b="0" i="0" u="none" strike="noStrike">
+                          <a:solidFill>
+                            <a:srgbClr val="000000"/>
+                          </a:solidFill>
+                          <a:effectLst/>
+                          <a:latin typeface="Times New Roman" panose="02020603050405020304" pitchFamily="18" charset="0"/>
+                        </a:rPr>
+                        <a:t>0.9483644</a:t>
+                      </a:r>
+                    </a:p>
+                  </a:txBody>
+                  <a:tcPr marL="7620" marR="7620" marT="7620" marB="0" anchor="b">
+                    <a:lnL w="12700" cap="flat" cmpd="sng" algn="ctr">
+                      <a:solidFill>
+                        <a:schemeClr val="tx1"/>
+                      </a:solidFill>
+                      <a:prstDash val="solid"/>
+                      <a:round/>
+                      <a:headEnd type="none" w="med" len="med"/>
+                      <a:tailEnd type="none" w="med" len="med"/>
+                    </a:lnL>
+                    <a:lnR w="12700" cap="flat" cmpd="sng" algn="ctr">
+                      <a:solidFill>
+                        <a:schemeClr val="tx1"/>
+                      </a:solidFill>
+                      <a:prstDash val="solid"/>
+                      <a:round/>
+                      <a:headEnd type="none" w="med" len="med"/>
+                      <a:tailEnd type="none" w="med" len="med"/>
+                    </a:lnR>
+                    <a:lnT w="12700" cap="flat" cmpd="sng" algn="ctr">
+                      <a:solidFill>
+                        <a:schemeClr val="tx1"/>
+                      </a:solidFill>
+                      <a:prstDash val="solid"/>
+                      <a:round/>
+                      <a:headEnd type="none" w="med" len="med"/>
+                      <a:tailEnd type="none" w="med" len="med"/>
+                    </a:lnT>
+                    <a:lnB w="12700" cap="flat" cmpd="sng" algn="ctr">
+                      <a:solidFill>
+                        <a:schemeClr val="tx1"/>
+                      </a:solidFill>
+                      <a:prstDash val="solid"/>
+                      <a:round/>
+                      <a:headEnd type="none" w="med" len="med"/>
+                      <a:tailEnd type="none" w="med" len="med"/>
+                    </a:lnB>
+                  </a:tcPr>
+                </a:tc>
+              </a:tr>
+              <a:tr h="838200">
+                <a:tc>
+                  <a:txBody>
+                    <a:bodyPr/>
+                    <a:lstStyle/>
+                    <a:p>
+                      <a:pPr algn="l" fontAlgn="b"/>
+                      <a:r>
+                        <a:rPr lang="en-US" sz="1600" u="none" strike="noStrike" dirty="0">
+                          <a:effectLst/>
+                        </a:rPr>
+                        <a:t>Weighted Avg. Movie Rating</a:t>
+                      </a:r>
+                      <a:endParaRPr lang="en-US" sz="1600" b="0" i="0" u="none" strike="noStrike" dirty="0">
+                        <a:solidFill>
+                          <a:srgbClr val="000000"/>
+                        </a:solidFill>
+                        <a:effectLst/>
+                        <a:latin typeface="Times New Roman" panose="02020603050405020304" pitchFamily="18" charset="0"/>
+                      </a:endParaRPr>
+                    </a:p>
+                  </a:txBody>
+                  <a:tcPr marL="6048" marR="6048" marT="6048" marB="0" anchor="b">
+                    <a:lnL w="12700" cap="flat" cmpd="sng" algn="ctr">
+                      <a:solidFill>
+                        <a:schemeClr val="tx1"/>
+                      </a:solidFill>
+                      <a:prstDash val="solid"/>
+                      <a:round/>
+                      <a:headEnd type="none" w="med" len="med"/>
+                      <a:tailEnd type="none" w="med" len="med"/>
+                    </a:lnL>
+                    <a:lnR w="12700" cap="flat" cmpd="sng" algn="ctr">
+                      <a:solidFill>
+                        <a:schemeClr val="tx1"/>
+                      </a:solidFill>
+                      <a:prstDash val="solid"/>
+                      <a:round/>
+                      <a:headEnd type="none" w="med" len="med"/>
+                      <a:tailEnd type="none" w="med" len="med"/>
+                    </a:lnR>
+                    <a:lnT w="12700" cap="flat" cmpd="sng" algn="ctr">
+                      <a:solidFill>
+                        <a:schemeClr val="tx1"/>
+                      </a:solidFill>
+                      <a:prstDash val="solid"/>
+                      <a:round/>
+                      <a:headEnd type="none" w="med" len="med"/>
+                      <a:tailEnd type="none" w="med" len="med"/>
+                    </a:lnT>
+                    <a:lnB w="12700" cap="flat" cmpd="sng" algn="ctr">
+                      <a:solidFill>
+                        <a:schemeClr val="tx1"/>
+                      </a:solidFill>
+                      <a:prstDash val="solid"/>
+                      <a:round/>
+                      <a:headEnd type="none" w="med" len="med"/>
+                      <a:tailEnd type="none" w="med" len="med"/>
+                    </a:lnB>
+                    <a:solidFill>
+                      <a:schemeClr val="tx2"/>
+                    </a:solidFill>
+                  </a:tcPr>
+                </a:tc>
+                <a:tc>
+                  <a:txBody>
+                    <a:bodyPr/>
+                    <a:lstStyle/>
+                    <a:p>
+                      <a:pPr algn="r" fontAlgn="b"/>
+                      <a:r>
+                        <a:rPr lang="en-US" sz="1600" u="none" strike="noStrike">
+                          <a:effectLst/>
+                        </a:rPr>
+                        <a:t>0.94751591</a:t>
+                      </a:r>
+                      <a:endParaRPr lang="en-US" sz="1600" b="0" i="0" u="none" strike="noStrike">
+                        <a:solidFill>
+                          <a:srgbClr val="000000"/>
+                        </a:solidFill>
+                        <a:effectLst/>
+                        <a:latin typeface="Times New Roman" panose="02020603050405020304" pitchFamily="18" charset="0"/>
+                      </a:endParaRPr>
+                    </a:p>
+                  </a:txBody>
+                  <a:tcPr marL="6048" marR="6048" marT="6048" marB="0" anchor="b">
+                    <a:lnL w="12700" cap="flat" cmpd="sng" algn="ctr">
+                      <a:solidFill>
+                        <a:schemeClr val="tx1"/>
+                      </a:solidFill>
+                      <a:prstDash val="solid"/>
+                      <a:round/>
+                      <a:headEnd type="none" w="med" len="med"/>
+                      <a:tailEnd type="none" w="med" len="med"/>
+                    </a:lnL>
+                    <a:lnR w="12700" cap="flat" cmpd="sng" algn="ctr">
+                      <a:solidFill>
+                        <a:schemeClr val="tx1"/>
+                      </a:solidFill>
+                      <a:prstDash val="solid"/>
+                      <a:round/>
+                      <a:headEnd type="none" w="med" len="med"/>
+                      <a:tailEnd type="none" w="med" len="med"/>
+                    </a:lnR>
+                    <a:lnT w="12700" cap="flat" cmpd="sng" algn="ctr">
+                      <a:solidFill>
+                        <a:schemeClr val="tx1"/>
+                      </a:solidFill>
+                      <a:prstDash val="solid"/>
+                      <a:round/>
+                      <a:headEnd type="none" w="med" len="med"/>
+                      <a:tailEnd type="none" w="med" len="med"/>
+                    </a:lnT>
+                    <a:lnB w="12700" cap="flat" cmpd="sng" algn="ctr">
+                      <a:solidFill>
+                        <a:schemeClr val="tx1"/>
+                      </a:solidFill>
+                      <a:prstDash val="solid"/>
+                      <a:round/>
+                      <a:headEnd type="none" w="med" len="med"/>
+                      <a:tailEnd type="none" w="med" len="med"/>
+                    </a:lnB>
+                  </a:tcPr>
+                </a:tc>
+                <a:tc>
+                  <a:txBody>
+                    <a:bodyPr/>
+                    <a:lstStyle/>
+                    <a:p>
+                      <a:pPr algn="r" fontAlgn="b"/>
+                      <a:r>
+                        <a:rPr lang="en-US" sz="1600" u="none" strike="noStrike">
+                          <a:effectLst/>
+                        </a:rPr>
+                        <a:t>0.93480794</a:t>
+                      </a:r>
+                      <a:endParaRPr lang="en-US" sz="1600" b="0" i="0" u="none" strike="noStrike">
+                        <a:solidFill>
+                          <a:srgbClr val="000000"/>
+                        </a:solidFill>
+                        <a:effectLst/>
+                        <a:latin typeface="Times New Roman" panose="02020603050405020304" pitchFamily="18" charset="0"/>
+                      </a:endParaRPr>
+                    </a:p>
+                  </a:txBody>
+                  <a:tcPr marL="6048" marR="6048" marT="6048" marB="0" anchor="b">
+                    <a:lnL w="12700" cap="flat" cmpd="sng" algn="ctr">
+                      <a:solidFill>
+                        <a:schemeClr val="tx1"/>
+                      </a:solidFill>
+                      <a:prstDash val="solid"/>
+                      <a:round/>
+                      <a:headEnd type="none" w="med" len="med"/>
+                      <a:tailEnd type="none" w="med" len="med"/>
+                    </a:lnL>
+                    <a:lnR w="12700" cap="flat" cmpd="sng" algn="ctr">
+                      <a:solidFill>
+                        <a:schemeClr val="tx1"/>
+                      </a:solidFill>
+                      <a:prstDash val="solid"/>
+                      <a:round/>
+                      <a:headEnd type="none" w="med" len="med"/>
+                      <a:tailEnd type="none" w="med" len="med"/>
+                    </a:lnR>
+                    <a:lnT w="12700" cap="flat" cmpd="sng" algn="ctr">
+                      <a:solidFill>
+                        <a:schemeClr val="tx1"/>
+                      </a:solidFill>
+                      <a:prstDash val="solid"/>
+                      <a:round/>
+                      <a:headEnd type="none" w="med" len="med"/>
+                      <a:tailEnd type="none" w="med" len="med"/>
+                    </a:lnT>
+                    <a:lnB w="12700" cap="flat" cmpd="sng" algn="ctr">
+                      <a:solidFill>
+                        <a:schemeClr val="tx1"/>
+                      </a:solidFill>
+                      <a:prstDash val="solid"/>
+                      <a:round/>
+                      <a:headEnd type="none" w="med" len="med"/>
+                      <a:tailEnd type="none" w="med" len="med"/>
+                    </a:lnB>
+                  </a:tcPr>
+                </a:tc>
+                <a:tc>
+                  <a:txBody>
+                    <a:bodyPr/>
+                    <a:lstStyle/>
+                    <a:p>
+                      <a:pPr algn="r" fontAlgn="b"/>
+                      <a:r>
+                        <a:rPr lang="en-US" sz="1600" u="none" strike="noStrike">
+                          <a:effectLst/>
+                        </a:rPr>
+                        <a:t>0.92772242</a:t>
+                      </a:r>
+                      <a:endParaRPr lang="en-US" sz="1600" b="0" i="0" u="none" strike="noStrike">
+                        <a:solidFill>
+                          <a:srgbClr val="000000"/>
+                        </a:solidFill>
+                        <a:effectLst/>
+                        <a:latin typeface="Times New Roman" panose="02020603050405020304" pitchFamily="18" charset="0"/>
+                      </a:endParaRPr>
+                    </a:p>
+                  </a:txBody>
+                  <a:tcPr marL="6048" marR="6048" marT="6048" marB="0" anchor="b">
+                    <a:lnL w="12700" cap="flat" cmpd="sng" algn="ctr">
+                      <a:solidFill>
+                        <a:schemeClr val="tx1"/>
+                      </a:solidFill>
+                      <a:prstDash val="solid"/>
+                      <a:round/>
+                      <a:headEnd type="none" w="med" len="med"/>
+                      <a:tailEnd type="none" w="med" len="med"/>
+                    </a:lnL>
+                    <a:lnR w="12700" cap="flat" cmpd="sng" algn="ctr">
+                      <a:solidFill>
+                        <a:schemeClr val="tx1"/>
+                      </a:solidFill>
+                      <a:prstDash val="solid"/>
+                      <a:round/>
+                      <a:headEnd type="none" w="med" len="med"/>
+                      <a:tailEnd type="none" w="med" len="med"/>
+                    </a:lnR>
+                    <a:lnT w="12700" cap="flat" cmpd="sng" algn="ctr">
+                      <a:solidFill>
+                        <a:schemeClr val="tx1"/>
+                      </a:solidFill>
+                      <a:prstDash val="solid"/>
+                      <a:round/>
+                      <a:headEnd type="none" w="med" len="med"/>
+                      <a:tailEnd type="none" w="med" len="med"/>
+                    </a:lnT>
+                    <a:lnB w="12700" cap="flat" cmpd="sng" algn="ctr">
+                      <a:solidFill>
+                        <a:schemeClr val="tx1"/>
+                      </a:solidFill>
+                      <a:prstDash val="solid"/>
+                      <a:round/>
+                      <a:headEnd type="none" w="med" len="med"/>
+                      <a:tailEnd type="none" w="med" len="med"/>
+                    </a:lnB>
+                  </a:tcPr>
+                </a:tc>
+                <a:tc>
+                  <a:txBody>
+                    <a:bodyPr/>
+                    <a:lstStyle/>
+                    <a:p>
+                      <a:pPr algn="r" fontAlgn="b"/>
+                      <a:r>
+                        <a:rPr lang="en-US" sz="1600" u="none" strike="noStrike">
+                          <a:effectLst/>
+                        </a:rPr>
+                        <a:t>0.92600982</a:t>
+                      </a:r>
+                      <a:endParaRPr lang="en-US" sz="1600" b="0" i="0" u="none" strike="noStrike">
+                        <a:solidFill>
+                          <a:srgbClr val="000000"/>
+                        </a:solidFill>
+                        <a:effectLst/>
+                        <a:latin typeface="Times New Roman" panose="02020603050405020304" pitchFamily="18" charset="0"/>
+                      </a:endParaRPr>
+                    </a:p>
+                  </a:txBody>
+                  <a:tcPr marL="6048" marR="6048" marT="6048" marB="0" anchor="b">
+                    <a:lnL w="12700" cap="flat" cmpd="sng" algn="ctr">
+                      <a:solidFill>
+                        <a:schemeClr val="tx1"/>
+                      </a:solidFill>
+                      <a:prstDash val="solid"/>
+                      <a:round/>
+                      <a:headEnd type="none" w="med" len="med"/>
+                      <a:tailEnd type="none" w="med" len="med"/>
+                    </a:lnL>
+                    <a:lnR w="12700" cap="flat" cmpd="sng" algn="ctr">
+                      <a:solidFill>
+                        <a:schemeClr val="tx1"/>
+                      </a:solidFill>
+                      <a:prstDash val="solid"/>
+                      <a:round/>
+                      <a:headEnd type="none" w="med" len="med"/>
+                      <a:tailEnd type="none" w="med" len="med"/>
+                    </a:lnR>
+                    <a:lnT w="12700" cap="flat" cmpd="sng" algn="ctr">
+                      <a:solidFill>
+                        <a:schemeClr val="tx1"/>
+                      </a:solidFill>
+                      <a:prstDash val="solid"/>
+                      <a:round/>
+                      <a:headEnd type="none" w="med" len="med"/>
+                      <a:tailEnd type="none" w="med" len="med"/>
+                    </a:lnT>
+                    <a:lnB w="12700" cap="flat" cmpd="sng" algn="ctr">
+                      <a:solidFill>
+                        <a:schemeClr val="tx1"/>
+                      </a:solidFill>
+                      <a:prstDash val="solid"/>
+                      <a:round/>
+                      <a:headEnd type="none" w="med" len="med"/>
+                      <a:tailEnd type="none" w="med" len="med"/>
+                    </a:lnB>
+                  </a:tcPr>
+                </a:tc>
+                <a:tc>
+                  <a:txBody>
+                    <a:bodyPr/>
+                    <a:lstStyle/>
+                    <a:p>
+                      <a:pPr algn="r" fontAlgn="b"/>
+                      <a:r>
+                        <a:rPr lang="en-US" sz="1600" u="none" strike="noStrike">
+                          <a:effectLst/>
+                        </a:rPr>
+                        <a:t>0.9530763</a:t>
+                      </a:r>
+                      <a:endParaRPr lang="en-US" sz="1600" b="0" i="0" u="none" strike="noStrike">
+                        <a:solidFill>
+                          <a:srgbClr val="000000"/>
+                        </a:solidFill>
+                        <a:effectLst/>
+                        <a:latin typeface="Times New Roman" panose="02020603050405020304" pitchFamily="18" charset="0"/>
+                      </a:endParaRPr>
+                    </a:p>
+                  </a:txBody>
+                  <a:tcPr marL="6048" marR="6048" marT="6048" marB="0" anchor="b">
+                    <a:lnL w="12700" cap="flat" cmpd="sng" algn="ctr">
+                      <a:solidFill>
+                        <a:schemeClr val="tx1"/>
+                      </a:solidFill>
+                      <a:prstDash val="solid"/>
+                      <a:round/>
+                      <a:headEnd type="none" w="med" len="med"/>
+                      <a:tailEnd type="none" w="med" len="med"/>
+                    </a:lnL>
+                    <a:lnR w="12700" cap="flat" cmpd="sng" algn="ctr">
+                      <a:solidFill>
+                        <a:schemeClr val="tx1"/>
+                      </a:solidFill>
+                      <a:prstDash val="solid"/>
+                      <a:round/>
+                      <a:headEnd type="none" w="med" len="med"/>
+                      <a:tailEnd type="none" w="med" len="med"/>
+                    </a:lnR>
+                    <a:lnT w="12700" cap="flat" cmpd="sng" algn="ctr">
+                      <a:solidFill>
+                        <a:schemeClr val="tx1"/>
+                      </a:solidFill>
+                      <a:prstDash val="solid"/>
+                      <a:round/>
+                      <a:headEnd type="none" w="med" len="med"/>
+                      <a:tailEnd type="none" w="med" len="med"/>
+                    </a:lnT>
+                    <a:lnB w="12700" cap="flat" cmpd="sng" algn="ctr">
+                      <a:solidFill>
+                        <a:schemeClr val="tx1"/>
+                      </a:solidFill>
+                      <a:prstDash val="solid"/>
+                      <a:round/>
+                      <a:headEnd type="none" w="med" len="med"/>
+                      <a:tailEnd type="none" w="med" len="med"/>
+                    </a:lnB>
+                  </a:tcPr>
+                </a:tc>
+                <a:tc>
+                  <a:txBody>
+                    <a:bodyPr/>
+                    <a:lstStyle/>
+                    <a:p>
+                      <a:pPr algn="r" fontAlgn="b"/>
+                      <a:r>
+                        <a:rPr lang="en-US" sz="1600" u="none" strike="noStrike" dirty="0">
+                          <a:effectLst/>
+                        </a:rPr>
+                        <a:t>0.96527947</a:t>
+                      </a:r>
+                      <a:endParaRPr lang="en-US" sz="1600" b="0" i="0" u="none" strike="noStrike" dirty="0">
+                        <a:solidFill>
+                          <a:srgbClr val="000000"/>
+                        </a:solidFill>
+                        <a:effectLst/>
+                        <a:latin typeface="Times New Roman" panose="02020603050405020304" pitchFamily="18" charset="0"/>
+                      </a:endParaRPr>
+                    </a:p>
+                  </a:txBody>
+                  <a:tcPr marL="6048" marR="6048" marT="6048" marB="0" anchor="b">
+                    <a:lnL w="12700" cap="flat" cmpd="sng" algn="ctr">
+                      <a:solidFill>
+                        <a:schemeClr val="tx1"/>
+                      </a:solidFill>
+                      <a:prstDash val="solid"/>
+                      <a:round/>
+                      <a:headEnd type="none" w="med" len="med"/>
+                      <a:tailEnd type="none" w="med" len="med"/>
+                    </a:lnL>
+                    <a:lnR w="12700" cap="flat" cmpd="sng" algn="ctr">
+                      <a:solidFill>
+                        <a:schemeClr val="tx1"/>
+                      </a:solidFill>
+                      <a:prstDash val="solid"/>
+                      <a:round/>
+                      <a:headEnd type="none" w="med" len="med"/>
+                      <a:tailEnd type="none" w="med" len="med"/>
+                    </a:lnR>
+                    <a:lnT w="12700" cap="flat" cmpd="sng" algn="ctr">
+                      <a:solidFill>
+                        <a:schemeClr val="tx1"/>
+                      </a:solidFill>
+                      <a:prstDash val="solid"/>
+                      <a:round/>
+                      <a:headEnd type="none" w="med" len="med"/>
+                      <a:tailEnd type="none" w="med" len="med"/>
+                    </a:lnT>
+                    <a:lnB w="12700" cap="flat" cmpd="sng" algn="ctr">
+                      <a:solidFill>
+                        <a:schemeClr val="tx1"/>
+                      </a:solidFill>
+                      <a:prstDash val="solid"/>
+                      <a:round/>
+                      <a:headEnd type="none" w="med" len="med"/>
+                      <a:tailEnd type="none" w="med" len="med"/>
+                    </a:lnB>
+                  </a:tcPr>
+                </a:tc>
+                <a:tc>
+                  <a:txBody>
+                    <a:bodyPr/>
+                    <a:lstStyle/>
+                    <a:p>
+                      <a:pPr algn="r" fontAlgn="b"/>
+                      <a:r>
+                        <a:rPr lang="en-US" sz="1400" b="0" i="0" u="none" strike="noStrike" dirty="0">
+                          <a:solidFill>
+                            <a:srgbClr val="000000"/>
+                          </a:solidFill>
+                          <a:effectLst/>
+                          <a:latin typeface="Times New Roman" panose="02020603050405020304" pitchFamily="18" charset="0"/>
+                        </a:rPr>
+                        <a:t>0.942402</a:t>
+                      </a:r>
+                    </a:p>
+                  </a:txBody>
+                  <a:tcPr marL="7620" marR="7620" marT="7620" marB="0" anchor="b">
+                    <a:lnL w="12700" cap="flat" cmpd="sng" algn="ctr">
+                      <a:solidFill>
+                        <a:schemeClr val="tx1"/>
+                      </a:solidFill>
+                      <a:prstDash val="solid"/>
+                      <a:round/>
+                      <a:headEnd type="none" w="med" len="med"/>
+                      <a:tailEnd type="none" w="med" len="med"/>
+                    </a:lnL>
+                    <a:lnR w="12700" cap="flat" cmpd="sng" algn="ctr">
+                      <a:solidFill>
+                        <a:schemeClr val="tx1"/>
+                      </a:solidFill>
+                      <a:prstDash val="solid"/>
+                      <a:round/>
+                      <a:headEnd type="none" w="med" len="med"/>
+                      <a:tailEnd type="none" w="med" len="med"/>
+                    </a:lnR>
+                    <a:lnT w="12700" cap="flat" cmpd="sng" algn="ctr">
+                      <a:solidFill>
+                        <a:schemeClr val="tx1"/>
+                      </a:solidFill>
+                      <a:prstDash val="solid"/>
+                      <a:round/>
+                      <a:headEnd type="none" w="med" len="med"/>
+                      <a:tailEnd type="none" w="med" len="med"/>
+                    </a:lnT>
+                    <a:lnB w="12700" cap="flat" cmpd="sng" algn="ctr">
+                      <a:solidFill>
+                        <a:schemeClr val="tx1"/>
+                      </a:solidFill>
+                      <a:prstDash val="solid"/>
+                      <a:round/>
+                      <a:headEnd type="none" w="med" len="med"/>
+                      <a:tailEnd type="none" w="med" len="med"/>
+                    </a:lnB>
+                  </a:tcPr>
+                </a:tc>
+              </a:tr>
+            </a:tbl>
+          </a:graphicData>
+        </a:graphic>
+      </p:graphicFrame>
+    </p:spTree>
+    <p:extLst>
+      <p:ext uri="{BB962C8B-B14F-4D97-AF65-F5344CB8AC3E}">
+        <p14:creationId xmlns:p14="http://schemas.microsoft.com/office/powerpoint/2010/main" val="723932805"/>
+      </p:ext>
+    </p:extLst>
+  </p:cSld>
+  <p:clrMapOvr>
+    <a:masterClrMapping/>
+  </p:clrMapOvr>
+  <mc:AlternateContent xmlns:mc="http://schemas.openxmlformats.org/markup-compatibility/2006" xmlns:p14="http://schemas.microsoft.com/office/powerpoint/2010/main">
+    <mc:Choice Requires="p14">
+      <p:transition spd="med" p14:dur="700">
+        <p:fade/>
+      </p:transition>
+    </mc:Choice>
+    <mc:Fallback xmlns="">
+      <p:transition spd="med">
+        <p:fade/>
+      </p:transition>
+    </mc:Fallback>
+  </mc:AlternateContent>
+  <p:timing>
+    <p:tnLst>
+      <p:par>
+        <p:cTn id="1" dur="indefinite" restart="never" nodeType="tmRoot"/>
+      </p:par>
+    </p:tnLst>
+  </p:timing>
+</p:sld>
+</file>
+
+<file path=ppt/slides/slide17.xml><?xml version="1.0" encoding="utf-8"?>
+<p:sld xmlns:a="http://schemas.openxmlformats.org/drawingml/2006/main" xmlns:r="http://schemas.openxmlformats.org/officeDocument/2006/relationships" xmlns:p="http://schemas.openxmlformats.org/presentationml/2006/main">
+  <p:cSld>
+    <p:spTree>
+      <p:nvGrpSpPr>
+        <p:cNvPr id="1" name=""/>
+        <p:cNvGrpSpPr/>
+        <p:nvPr/>
+      </p:nvGrpSpPr>
+      <p:grpSpPr>
+        <a:xfrm>
+          <a:off x="0" y="0"/>
+          <a:ext cx="0" cy="0"/>
+          <a:chOff x="0" y="0"/>
+          <a:chExt cx="0" cy="0"/>
+        </a:xfrm>
+      </p:grpSpPr>
+      <p:sp>
+        <p:nvSpPr>
           <p:cNvPr id="5" name="Subtitle 4"/>
           <p:cNvSpPr>
             <a:spLocks noGrp="1"/>
@@ -6356,6 +9855,13 @@
       </p:transition>
     </mc:Fallback>
   </mc:AlternateContent>
+  <p:timing>
+    <p:tnLst>
+      <p:par>
+        <p:cTn id="1" dur="indefinite" restart="never" nodeType="tmRoot"/>
+      </p:par>
+    </p:tnLst>
+  </p:timing>
 </p:sld>
 </file>
 
@@ -6551,6 +10057,27 @@
               <a:rPr lang="en-US" dirty="0" smtClean="0"/>
               <a:t>similar to Netflix</a:t>
             </a:r>
+          </a:p>
+          <a:p>
+            <a:r>
+              <a:rPr lang="en-US" dirty="0" smtClean="0"/>
+              <a:t>Users rate various movies and we predict/recommend which ones they will want to watch next</a:t>
+            </a:r>
+            <a:r>
+              <a:rPr lang="en-US" dirty="0" smtClean="0"/>
+              <a:t>.</a:t>
+            </a:r>
+          </a:p>
+          <a:p>
+            <a:r>
+              <a:rPr lang="en-US" dirty="0" smtClean="0"/>
+              <a:t>We created our algorithms using Python, and </a:t>
+            </a:r>
+            <a:r>
+              <a:rPr lang="en-US" dirty="0" err="1" smtClean="0"/>
+              <a:t>numpy</a:t>
+            </a:r>
+            <a:endParaRPr lang="en-US" dirty="0" smtClean="0"/>
           </a:p>
           <a:p>
             <a:r>
@@ -8693,7 +12220,11 @@
           <a:p>
             <a:r>
               <a:rPr lang="en-US" dirty="0" smtClean="0"/>
-              <a:t>We started with a Sparse Matrix of Users X Movies</a:t>
+              <a:t>We started with a Sparse Matrix of Users X </a:t>
+            </a:r>
+            <a:r>
+              <a:rPr lang="en-US" dirty="0" smtClean="0"/>
+              <a:t>Movies and each entry was a rating</a:t>
             </a:r>
             <a:endParaRPr lang="en-US" dirty="0"/>
           </a:p>
@@ -12995,7 +16526,14 @@
               <a:rPr lang="en-US" dirty="0" smtClean="0"/>
               <a:t>Aer = Exceed Average Rate for each user</a:t>
             </a:r>
-            <a:endParaRPr lang="en-US" dirty="0"/>
+            <a:r>
+              <a:rPr lang="en-US" dirty="0"/>
+              <a:t> </a:t>
+            </a:r>
+            <a:r>
+              <a:rPr lang="en-US" dirty="0" smtClean="0"/>
+              <a:t>(This is the “weighted” rating for each user.  It is the rating for each movie – the average rating)</a:t>
+            </a:r>
           </a:p>
         </p:txBody>
       </p:sp>
@@ -15138,7 +18676,7 @@
           <a:p>
             <a:r>
               <a:rPr lang="en-US" dirty="0" smtClean="0"/>
-              <a:t>Final  = </a:t>
+              <a:t>Ratings  = </a:t>
             </a:r>
             <a:r>
               <a:rPr lang="en-US" dirty="0" err="1" smtClean="0"/>
@@ -15209,11 +18747,7 @@
             <a:pPr lvl="1"/>
             <a:r>
               <a:rPr lang="en-US" dirty="0" smtClean="0"/>
-              <a:t>Left singular </a:t>
-            </a:r>
-            <a:r>
-              <a:rPr lang="en-US" dirty="0" smtClean="0"/>
-              <a:t> vectors * diagonal of the singular values * transpose of right singular values</a:t>
+              <a:t>Left singular  vectors * diagonal of the singular values * transpose of right singular values</a:t>
             </a:r>
             <a:endParaRPr lang="en-US" dirty="0"/>
           </a:p>
@@ -15400,7 +18934,7 @@
           <a:p>
             <a:r>
               <a:rPr lang="en-US" dirty="0" smtClean="0"/>
-              <a:t>We gave the top 10 “recommended movies”</a:t>
+              <a:t>We gave the top 10 recommended movie titles</a:t>
             </a:r>
           </a:p>
         </p:txBody>
